--- a/slides/confidence_instruction.pptx
+++ b/slides/confidence_instruction.pptx
@@ -4111,7 +4111,7 @@
         </p:spPr>
         <p:txBody>
           <a:bodyPr>
-            <a:normAutofit fontScale="92500"/>
+            <a:normAutofit fontScale="92500" lnSpcReduction="20000"/>
           </a:bodyPr>
           <a:lstStyle/>
           <a:p>
@@ -4126,6 +4126,14 @@
               <a:rPr lang="en-US" dirty="0" smtClean="0"/>
               <a:t>In each trial, you will score between 0-1</a:t>
             </a:r>
+          </a:p>
+          <a:p>
+            <a:pPr lvl="1"/>
+            <a:r>
+              <a:rPr lang="en-US" smtClean="0"/>
+              <a:t>The </a:t>
+            </a:r>
+            <a:endParaRPr lang="en-US" dirty="0"/>
           </a:p>
           <a:p>
             <a:pPr lvl="1"/>

--- a/slides/confidence_instruction.pptx
+++ b/slides/confidence_instruction.pptx
@@ -199,7 +199,7 @@
           <a:p>
             <a:fld id="{174D5E45-0ED4-AE48-B4F7-0374C793C449}" type="datetimeFigureOut">
               <a:rPr lang="en-US" smtClean="0"/>
-              <a:t>1/22/24</a:t>
+              <a:t>1/23/24</a:t>
             </a:fld>
             <a:endParaRPr lang="en-US"/>
           </a:p>
@@ -511,19 +511,18 @@
           <a:lstStyle/>
           <a:p>
             <a:r>
-              <a:rPr lang="en-US" dirty="0" smtClean="0"/>
-              <a:t>Imagine the screen as surface of water. Your task is to locate an unseen coin that a person had dropped into the water. The coin will cause a splash. In one session, you will only hear the sound. In another session, you will only see the bubbles. </a:t>
-            </a:r>
-          </a:p>
-          <a:p>
-            <a:endParaRPr lang="en-US" dirty="0" smtClean="0"/>
-          </a:p>
-          <a:p>
-            <a:r>
-              <a:rPr lang="en-US" dirty="0" smtClean="0"/>
-              <a:t>After indicating your estimate of the coin location, you will use a net, represented by a horizontal line centered around your estimate point, to capture the coin. You can adjust the width to of the net. A narrower net gives higher point, but missing the coin yields no point. </a:t>
-            </a:r>
+              <a:rPr lang="en-US" dirty="0"/>
+              <a:t>Imagine the screen as surface of water. Your task is to locate an unseen coin that a person had dropped into the water. The coin will cause a splash. In one session, you will only hear the sound. In another session, you will only see the bubbles. There’s also a visual mask after the bubble.</a:t>
+            </a:r>
+          </a:p>
+          <a:p>
             <a:endParaRPr lang="en-US" dirty="0"/>
+          </a:p>
+          <a:p>
+            <a:r>
+              <a:rPr lang="en-US" dirty="0"/>
+              <a:t>After indicating your estimate of the coin location, you will use a net, represented by a horizontal line centered around your estimate point, to capture the coin. You can adjust the width to of the net to get a score. </a:t>
+            </a:r>
           </a:p>
         </p:txBody>
       </p:sp>
@@ -753,7 +752,7 @@
           <p:cNvPr id="2" name="Title 1">
             <a:extLst>
               <a:ext uri="{FF2B5EF4-FFF2-40B4-BE49-F238E27FC236}">
-                <a16:creationId xmlns:a16="http://schemas.microsoft.com/office/drawing/2014/main" xmlns="" id="{2FB3DF2F-B1CE-016D-1AC2-1EF68D843B59}"/>
+                <a16:creationId xmlns:a16="http://schemas.microsoft.com/office/drawing/2014/main" id="{2FB3DF2F-B1CE-016D-1AC2-1EF68D843B59}"/>
               </a:ext>
             </a:extLst>
           </p:cNvPr>
@@ -790,7 +789,7 @@
           <p:cNvPr id="3" name="Subtitle 2">
             <a:extLst>
               <a:ext uri="{FF2B5EF4-FFF2-40B4-BE49-F238E27FC236}">
-                <a16:creationId xmlns:a16="http://schemas.microsoft.com/office/drawing/2014/main" xmlns="" id="{2D246D93-A2F2-CAF9-0DDE-4CFF40677914}"/>
+                <a16:creationId xmlns:a16="http://schemas.microsoft.com/office/drawing/2014/main" id="{2D246D93-A2F2-CAF9-0DDE-4CFF40677914}"/>
               </a:ext>
             </a:extLst>
           </p:cNvPr>
@@ -860,7 +859,7 @@
           <p:cNvPr id="4" name="Date Placeholder 3">
             <a:extLst>
               <a:ext uri="{FF2B5EF4-FFF2-40B4-BE49-F238E27FC236}">
-                <a16:creationId xmlns:a16="http://schemas.microsoft.com/office/drawing/2014/main" xmlns="" id="{EF66CDCF-6CF5-42BA-3C15-EF3E8DF46238}"/>
+                <a16:creationId xmlns:a16="http://schemas.microsoft.com/office/drawing/2014/main" id="{EF66CDCF-6CF5-42BA-3C15-EF3E8DF46238}"/>
               </a:ext>
             </a:extLst>
           </p:cNvPr>
@@ -878,7 +877,7 @@
           <a:p>
             <a:fld id="{A0CF804B-5F75-0C45-BD3C-43AC52F1D890}" type="datetime1">
               <a:rPr lang="en-US" smtClean="0"/>
-              <a:t>1/22/24</a:t>
+              <a:t>1/23/24</a:t>
             </a:fld>
             <a:endParaRPr lang="en-US"/>
           </a:p>
@@ -889,7 +888,7 @@
           <p:cNvPr id="5" name="Footer Placeholder 4">
             <a:extLst>
               <a:ext uri="{FF2B5EF4-FFF2-40B4-BE49-F238E27FC236}">
-                <a16:creationId xmlns:a16="http://schemas.microsoft.com/office/drawing/2014/main" xmlns="" id="{4D7992D0-94AE-B646-6065-8E47817AE1A4}"/>
+                <a16:creationId xmlns:a16="http://schemas.microsoft.com/office/drawing/2014/main" id="{4D7992D0-94AE-B646-6065-8E47817AE1A4}"/>
               </a:ext>
             </a:extLst>
           </p:cNvPr>
@@ -914,7 +913,7 @@
           <p:cNvPr id="6" name="Slide Number Placeholder 5">
             <a:extLst>
               <a:ext uri="{FF2B5EF4-FFF2-40B4-BE49-F238E27FC236}">
-                <a16:creationId xmlns:a16="http://schemas.microsoft.com/office/drawing/2014/main" xmlns="" id="{294C4148-5924-AD34-0277-4DB18466B60B}"/>
+                <a16:creationId xmlns:a16="http://schemas.microsoft.com/office/drawing/2014/main" id="{294C4148-5924-AD34-0277-4DB18466B60B}"/>
               </a:ext>
             </a:extLst>
           </p:cNvPr>
@@ -973,7 +972,7 @@
           <p:cNvPr id="2" name="Title 1">
             <a:extLst>
               <a:ext uri="{FF2B5EF4-FFF2-40B4-BE49-F238E27FC236}">
-                <a16:creationId xmlns:a16="http://schemas.microsoft.com/office/drawing/2014/main" xmlns="" id="{22D4CFE6-7DBE-AD95-B403-ACF9DF077607}"/>
+                <a16:creationId xmlns:a16="http://schemas.microsoft.com/office/drawing/2014/main" id="{22D4CFE6-7DBE-AD95-B403-ACF9DF077607}"/>
               </a:ext>
             </a:extLst>
           </p:cNvPr>
@@ -1001,7 +1000,7 @@
           <p:cNvPr id="3" name="Vertical Text Placeholder 2">
             <a:extLst>
               <a:ext uri="{FF2B5EF4-FFF2-40B4-BE49-F238E27FC236}">
-                <a16:creationId xmlns:a16="http://schemas.microsoft.com/office/drawing/2014/main" xmlns="" id="{30DF051B-753C-BB16-4639-55FFE8902951}"/>
+                <a16:creationId xmlns:a16="http://schemas.microsoft.com/office/drawing/2014/main" id="{30DF051B-753C-BB16-4639-55FFE8902951}"/>
               </a:ext>
             </a:extLst>
           </p:cNvPr>
@@ -1058,7 +1057,7 @@
           <p:cNvPr id="4" name="Date Placeholder 3">
             <a:extLst>
               <a:ext uri="{FF2B5EF4-FFF2-40B4-BE49-F238E27FC236}">
-                <a16:creationId xmlns:a16="http://schemas.microsoft.com/office/drawing/2014/main" xmlns="" id="{D33F8D5D-CCBA-68BF-C94C-355408702D74}"/>
+                <a16:creationId xmlns:a16="http://schemas.microsoft.com/office/drawing/2014/main" id="{D33F8D5D-CCBA-68BF-C94C-355408702D74}"/>
               </a:ext>
             </a:extLst>
           </p:cNvPr>
@@ -1076,7 +1075,7 @@
           <a:p>
             <a:fld id="{F8D395A6-253C-DE49-AAC9-3A19B2B9C9C3}" type="datetime1">
               <a:rPr lang="en-US" smtClean="0"/>
-              <a:t>1/22/24</a:t>
+              <a:t>1/23/24</a:t>
             </a:fld>
             <a:endParaRPr lang="en-US"/>
           </a:p>
@@ -1087,7 +1086,7 @@
           <p:cNvPr id="5" name="Footer Placeholder 4">
             <a:extLst>
               <a:ext uri="{FF2B5EF4-FFF2-40B4-BE49-F238E27FC236}">
-                <a16:creationId xmlns:a16="http://schemas.microsoft.com/office/drawing/2014/main" xmlns="" id="{B8304D78-17E0-9241-FE35-A2CD530F9172}"/>
+                <a16:creationId xmlns:a16="http://schemas.microsoft.com/office/drawing/2014/main" id="{B8304D78-17E0-9241-FE35-A2CD530F9172}"/>
               </a:ext>
             </a:extLst>
           </p:cNvPr>
@@ -1112,7 +1111,7 @@
           <p:cNvPr id="6" name="Slide Number Placeholder 5">
             <a:extLst>
               <a:ext uri="{FF2B5EF4-FFF2-40B4-BE49-F238E27FC236}">
-                <a16:creationId xmlns:a16="http://schemas.microsoft.com/office/drawing/2014/main" xmlns="" id="{077B2099-554E-88EB-72D2-6E2651265BFA}"/>
+                <a16:creationId xmlns:a16="http://schemas.microsoft.com/office/drawing/2014/main" id="{077B2099-554E-88EB-72D2-6E2651265BFA}"/>
               </a:ext>
             </a:extLst>
           </p:cNvPr>
@@ -1171,7 +1170,7 @@
           <p:cNvPr id="2" name="Vertical Title 1">
             <a:extLst>
               <a:ext uri="{FF2B5EF4-FFF2-40B4-BE49-F238E27FC236}">
-                <a16:creationId xmlns:a16="http://schemas.microsoft.com/office/drawing/2014/main" xmlns="" id="{D42BD1C4-D58D-DF76-9BAB-63698C211F5A}"/>
+                <a16:creationId xmlns:a16="http://schemas.microsoft.com/office/drawing/2014/main" id="{D42BD1C4-D58D-DF76-9BAB-63698C211F5A}"/>
               </a:ext>
             </a:extLst>
           </p:cNvPr>
@@ -1204,7 +1203,7 @@
           <p:cNvPr id="3" name="Vertical Text Placeholder 2">
             <a:extLst>
               <a:ext uri="{FF2B5EF4-FFF2-40B4-BE49-F238E27FC236}">
-                <a16:creationId xmlns:a16="http://schemas.microsoft.com/office/drawing/2014/main" xmlns="" id="{13680B60-43D9-355D-7BC6-907EAFCFF3F7}"/>
+                <a16:creationId xmlns:a16="http://schemas.microsoft.com/office/drawing/2014/main" id="{13680B60-43D9-355D-7BC6-907EAFCFF3F7}"/>
               </a:ext>
             </a:extLst>
           </p:cNvPr>
@@ -1266,7 +1265,7 @@
           <p:cNvPr id="4" name="Date Placeholder 3">
             <a:extLst>
               <a:ext uri="{FF2B5EF4-FFF2-40B4-BE49-F238E27FC236}">
-                <a16:creationId xmlns:a16="http://schemas.microsoft.com/office/drawing/2014/main" xmlns="" id="{C5984CDB-CB1C-1872-6D57-0B92B0E2D917}"/>
+                <a16:creationId xmlns:a16="http://schemas.microsoft.com/office/drawing/2014/main" id="{C5984CDB-CB1C-1872-6D57-0B92B0E2D917}"/>
               </a:ext>
             </a:extLst>
           </p:cNvPr>
@@ -1284,7 +1283,7 @@
           <a:p>
             <a:fld id="{3A4586FA-CC7F-9E45-8A9E-B2046A10DE7C}" type="datetime1">
               <a:rPr lang="en-US" smtClean="0"/>
-              <a:t>1/22/24</a:t>
+              <a:t>1/23/24</a:t>
             </a:fld>
             <a:endParaRPr lang="en-US"/>
           </a:p>
@@ -1295,7 +1294,7 @@
           <p:cNvPr id="5" name="Footer Placeholder 4">
             <a:extLst>
               <a:ext uri="{FF2B5EF4-FFF2-40B4-BE49-F238E27FC236}">
-                <a16:creationId xmlns:a16="http://schemas.microsoft.com/office/drawing/2014/main" xmlns="" id="{81C922BE-9BC1-BE04-2086-C7B61040718D}"/>
+                <a16:creationId xmlns:a16="http://schemas.microsoft.com/office/drawing/2014/main" id="{81C922BE-9BC1-BE04-2086-C7B61040718D}"/>
               </a:ext>
             </a:extLst>
           </p:cNvPr>
@@ -1320,7 +1319,7 @@
           <p:cNvPr id="6" name="Slide Number Placeholder 5">
             <a:extLst>
               <a:ext uri="{FF2B5EF4-FFF2-40B4-BE49-F238E27FC236}">
-                <a16:creationId xmlns:a16="http://schemas.microsoft.com/office/drawing/2014/main" xmlns="" id="{DE2BAA84-AB5C-5D5C-9C5D-E3803E000620}"/>
+                <a16:creationId xmlns:a16="http://schemas.microsoft.com/office/drawing/2014/main" id="{DE2BAA84-AB5C-5D5C-9C5D-E3803E000620}"/>
               </a:ext>
             </a:extLst>
           </p:cNvPr>
@@ -1379,7 +1378,7 @@
           <p:cNvPr id="2" name="Title 1">
             <a:extLst>
               <a:ext uri="{FF2B5EF4-FFF2-40B4-BE49-F238E27FC236}">
-                <a16:creationId xmlns:a16="http://schemas.microsoft.com/office/drawing/2014/main" xmlns="" id="{AD11C0A7-E438-F6A6-C2EB-4779D5CACB6E}"/>
+                <a16:creationId xmlns:a16="http://schemas.microsoft.com/office/drawing/2014/main" id="{AD11C0A7-E438-F6A6-C2EB-4779D5CACB6E}"/>
               </a:ext>
             </a:extLst>
           </p:cNvPr>
@@ -1407,7 +1406,7 @@
           <p:cNvPr id="3" name="Content Placeholder 2">
             <a:extLst>
               <a:ext uri="{FF2B5EF4-FFF2-40B4-BE49-F238E27FC236}">
-                <a16:creationId xmlns:a16="http://schemas.microsoft.com/office/drawing/2014/main" xmlns="" id="{59FCB377-7BA2-C180-6C58-CDD6F16E4DF5}"/>
+                <a16:creationId xmlns:a16="http://schemas.microsoft.com/office/drawing/2014/main" id="{59FCB377-7BA2-C180-6C58-CDD6F16E4DF5}"/>
               </a:ext>
             </a:extLst>
           </p:cNvPr>
@@ -1490,7 +1489,7 @@
           <p:cNvPr id="8" name="Date Placeholder 7">
             <a:extLst>
               <a:ext uri="{FF2B5EF4-FFF2-40B4-BE49-F238E27FC236}">
-                <a16:creationId xmlns:a16="http://schemas.microsoft.com/office/drawing/2014/main" xmlns="" id="{86733034-AC6F-C286-D4EC-8F332B7C4055}"/>
+                <a16:creationId xmlns:a16="http://schemas.microsoft.com/office/drawing/2014/main" id="{86733034-AC6F-C286-D4EC-8F332B7C4055}"/>
               </a:ext>
             </a:extLst>
           </p:cNvPr>
@@ -1508,7 +1507,7 @@
           <a:p>
             <a:fld id="{D4FDFF10-FA3B-1F42-8352-86A0C7FC3A4B}" type="datetime1">
               <a:rPr lang="en-US" smtClean="0"/>
-              <a:t>1/22/24</a:t>
+              <a:t>1/23/24</a:t>
             </a:fld>
             <a:endParaRPr lang="en-US"/>
           </a:p>
@@ -1519,7 +1518,7 @@
           <p:cNvPr id="9" name="Footer Placeholder 8">
             <a:extLst>
               <a:ext uri="{FF2B5EF4-FFF2-40B4-BE49-F238E27FC236}">
-                <a16:creationId xmlns:a16="http://schemas.microsoft.com/office/drawing/2014/main" xmlns="" id="{3B96E423-F985-4D7C-59F4-D26FE58D8AA4}"/>
+                <a16:creationId xmlns:a16="http://schemas.microsoft.com/office/drawing/2014/main" id="{3B96E423-F985-4D7C-59F4-D26FE58D8AA4}"/>
               </a:ext>
             </a:extLst>
           </p:cNvPr>
@@ -1544,7 +1543,7 @@
           <p:cNvPr id="10" name="Slide Number Placeholder 9">
             <a:extLst>
               <a:ext uri="{FF2B5EF4-FFF2-40B4-BE49-F238E27FC236}">
-                <a16:creationId xmlns:a16="http://schemas.microsoft.com/office/drawing/2014/main" xmlns="" id="{C00A0BD7-E475-C533-A3B1-61F1A4D3ADC8}"/>
+                <a16:creationId xmlns:a16="http://schemas.microsoft.com/office/drawing/2014/main" id="{C00A0BD7-E475-C533-A3B1-61F1A4D3ADC8}"/>
               </a:ext>
             </a:extLst>
           </p:cNvPr>
@@ -1602,7 +1601,7 @@
           <p:cNvPr id="2" name="Title 1">
             <a:extLst>
               <a:ext uri="{FF2B5EF4-FFF2-40B4-BE49-F238E27FC236}">
-                <a16:creationId xmlns:a16="http://schemas.microsoft.com/office/drawing/2014/main" xmlns="" id="{9E2D3CE9-DA4A-0D1A-D4DA-52DCCC75853A}"/>
+                <a16:creationId xmlns:a16="http://schemas.microsoft.com/office/drawing/2014/main" id="{9E2D3CE9-DA4A-0D1A-D4DA-52DCCC75853A}"/>
               </a:ext>
             </a:extLst>
           </p:cNvPr>
@@ -1639,7 +1638,7 @@
           <p:cNvPr id="3" name="Text Placeholder 2">
             <a:extLst>
               <a:ext uri="{FF2B5EF4-FFF2-40B4-BE49-F238E27FC236}">
-                <a16:creationId xmlns:a16="http://schemas.microsoft.com/office/drawing/2014/main" xmlns="" id="{A35DBDF8-0A1F-5689-B6FC-010B7E1CFDE2}"/>
+                <a16:creationId xmlns:a16="http://schemas.microsoft.com/office/drawing/2014/main" id="{A35DBDF8-0A1F-5689-B6FC-010B7E1CFDE2}"/>
               </a:ext>
             </a:extLst>
           </p:cNvPr>
@@ -1764,7 +1763,7 @@
           <p:cNvPr id="4" name="Date Placeholder 3">
             <a:extLst>
               <a:ext uri="{FF2B5EF4-FFF2-40B4-BE49-F238E27FC236}">
-                <a16:creationId xmlns:a16="http://schemas.microsoft.com/office/drawing/2014/main" xmlns="" id="{929C074D-B794-0ADA-F6A4-F1E9833400E7}"/>
+                <a16:creationId xmlns:a16="http://schemas.microsoft.com/office/drawing/2014/main" id="{929C074D-B794-0ADA-F6A4-F1E9833400E7}"/>
               </a:ext>
             </a:extLst>
           </p:cNvPr>
@@ -1782,7 +1781,7 @@
           <a:p>
             <a:fld id="{F70EF1CC-B04E-354A-9F7A-E3929A64C3EB}" type="datetime1">
               <a:rPr lang="en-US" smtClean="0"/>
-              <a:t>1/22/24</a:t>
+              <a:t>1/23/24</a:t>
             </a:fld>
             <a:endParaRPr lang="en-US"/>
           </a:p>
@@ -1793,7 +1792,7 @@
           <p:cNvPr id="5" name="Footer Placeholder 4">
             <a:extLst>
               <a:ext uri="{FF2B5EF4-FFF2-40B4-BE49-F238E27FC236}">
-                <a16:creationId xmlns:a16="http://schemas.microsoft.com/office/drawing/2014/main" xmlns="" id="{9B857B31-B677-95ED-FDC9-57957E47BE62}"/>
+                <a16:creationId xmlns:a16="http://schemas.microsoft.com/office/drawing/2014/main" id="{9B857B31-B677-95ED-FDC9-57957E47BE62}"/>
               </a:ext>
             </a:extLst>
           </p:cNvPr>
@@ -1818,7 +1817,7 @@
           <p:cNvPr id="6" name="Slide Number Placeholder 5">
             <a:extLst>
               <a:ext uri="{FF2B5EF4-FFF2-40B4-BE49-F238E27FC236}">
-                <a16:creationId xmlns:a16="http://schemas.microsoft.com/office/drawing/2014/main" xmlns="" id="{75B1DEE2-5848-C6D6-FBB4-D3FEF1B7E92A}"/>
+                <a16:creationId xmlns:a16="http://schemas.microsoft.com/office/drawing/2014/main" id="{75B1DEE2-5848-C6D6-FBB4-D3FEF1B7E92A}"/>
               </a:ext>
             </a:extLst>
           </p:cNvPr>
@@ -1877,7 +1876,7 @@
           <p:cNvPr id="2" name="Title 1">
             <a:extLst>
               <a:ext uri="{FF2B5EF4-FFF2-40B4-BE49-F238E27FC236}">
-                <a16:creationId xmlns:a16="http://schemas.microsoft.com/office/drawing/2014/main" xmlns="" id="{F0921F35-A290-B2FB-6C42-CB4B87DEE1AA}"/>
+                <a16:creationId xmlns:a16="http://schemas.microsoft.com/office/drawing/2014/main" id="{F0921F35-A290-B2FB-6C42-CB4B87DEE1AA}"/>
               </a:ext>
             </a:extLst>
           </p:cNvPr>
@@ -1905,7 +1904,7 @@
           <p:cNvPr id="3" name="Content Placeholder 2">
             <a:extLst>
               <a:ext uri="{FF2B5EF4-FFF2-40B4-BE49-F238E27FC236}">
-                <a16:creationId xmlns:a16="http://schemas.microsoft.com/office/drawing/2014/main" xmlns="" id="{DAD15CE2-D0DA-365F-9999-546DB39A4629}"/>
+                <a16:creationId xmlns:a16="http://schemas.microsoft.com/office/drawing/2014/main" id="{DAD15CE2-D0DA-365F-9999-546DB39A4629}"/>
               </a:ext>
             </a:extLst>
           </p:cNvPr>
@@ -1967,7 +1966,7 @@
           <p:cNvPr id="4" name="Content Placeholder 3">
             <a:extLst>
               <a:ext uri="{FF2B5EF4-FFF2-40B4-BE49-F238E27FC236}">
-                <a16:creationId xmlns:a16="http://schemas.microsoft.com/office/drawing/2014/main" xmlns="" id="{891C4D63-483F-7F22-5B16-0E99A52A9289}"/>
+                <a16:creationId xmlns:a16="http://schemas.microsoft.com/office/drawing/2014/main" id="{891C4D63-483F-7F22-5B16-0E99A52A9289}"/>
               </a:ext>
             </a:extLst>
           </p:cNvPr>
@@ -2029,7 +2028,7 @@
           <p:cNvPr id="5" name="Date Placeholder 4">
             <a:extLst>
               <a:ext uri="{FF2B5EF4-FFF2-40B4-BE49-F238E27FC236}">
-                <a16:creationId xmlns:a16="http://schemas.microsoft.com/office/drawing/2014/main" xmlns="" id="{971F4A17-9B75-6D92-AAE1-41D45E43035F}"/>
+                <a16:creationId xmlns:a16="http://schemas.microsoft.com/office/drawing/2014/main" id="{971F4A17-9B75-6D92-AAE1-41D45E43035F}"/>
               </a:ext>
             </a:extLst>
           </p:cNvPr>
@@ -2047,7 +2046,7 @@
           <a:p>
             <a:fld id="{4D7D197C-1083-D94C-B266-E2020240534D}" type="datetime1">
               <a:rPr lang="en-US" smtClean="0"/>
-              <a:t>1/22/24</a:t>
+              <a:t>1/23/24</a:t>
             </a:fld>
             <a:endParaRPr lang="en-US"/>
           </a:p>
@@ -2058,7 +2057,7 @@
           <p:cNvPr id="6" name="Footer Placeholder 5">
             <a:extLst>
               <a:ext uri="{FF2B5EF4-FFF2-40B4-BE49-F238E27FC236}">
-                <a16:creationId xmlns:a16="http://schemas.microsoft.com/office/drawing/2014/main" xmlns="" id="{92AF078C-EEC0-A09E-FBDE-2FC1C58504FF}"/>
+                <a16:creationId xmlns:a16="http://schemas.microsoft.com/office/drawing/2014/main" id="{92AF078C-EEC0-A09E-FBDE-2FC1C58504FF}"/>
               </a:ext>
             </a:extLst>
           </p:cNvPr>
@@ -2083,7 +2082,7 @@
           <p:cNvPr id="7" name="Slide Number Placeholder 6">
             <a:extLst>
               <a:ext uri="{FF2B5EF4-FFF2-40B4-BE49-F238E27FC236}">
-                <a16:creationId xmlns:a16="http://schemas.microsoft.com/office/drawing/2014/main" xmlns="" id="{0EDDA3EE-8676-B60B-16C8-48A6BCD5BDBC}"/>
+                <a16:creationId xmlns:a16="http://schemas.microsoft.com/office/drawing/2014/main" id="{0EDDA3EE-8676-B60B-16C8-48A6BCD5BDBC}"/>
               </a:ext>
             </a:extLst>
           </p:cNvPr>
@@ -2142,7 +2141,7 @@
           <p:cNvPr id="2" name="Title 1">
             <a:extLst>
               <a:ext uri="{FF2B5EF4-FFF2-40B4-BE49-F238E27FC236}">
-                <a16:creationId xmlns:a16="http://schemas.microsoft.com/office/drawing/2014/main" xmlns="" id="{9F4256A5-20E5-2B7A-2A23-979D1AB473AD}"/>
+                <a16:creationId xmlns:a16="http://schemas.microsoft.com/office/drawing/2014/main" id="{9F4256A5-20E5-2B7A-2A23-979D1AB473AD}"/>
               </a:ext>
             </a:extLst>
           </p:cNvPr>
@@ -2175,7 +2174,7 @@
           <p:cNvPr id="3" name="Text Placeholder 2">
             <a:extLst>
               <a:ext uri="{FF2B5EF4-FFF2-40B4-BE49-F238E27FC236}">
-                <a16:creationId xmlns:a16="http://schemas.microsoft.com/office/drawing/2014/main" xmlns="" id="{6390023C-9076-1482-D97A-D1BA30FA488C}"/>
+                <a16:creationId xmlns:a16="http://schemas.microsoft.com/office/drawing/2014/main" id="{6390023C-9076-1482-D97A-D1BA30FA488C}"/>
               </a:ext>
             </a:extLst>
           </p:cNvPr>
@@ -2246,7 +2245,7 @@
           <p:cNvPr id="4" name="Content Placeholder 3">
             <a:extLst>
               <a:ext uri="{FF2B5EF4-FFF2-40B4-BE49-F238E27FC236}">
-                <a16:creationId xmlns:a16="http://schemas.microsoft.com/office/drawing/2014/main" xmlns="" id="{BE9D9B0C-3EE8-1ABD-1ACD-8645E16E61BC}"/>
+                <a16:creationId xmlns:a16="http://schemas.microsoft.com/office/drawing/2014/main" id="{BE9D9B0C-3EE8-1ABD-1ACD-8645E16E61BC}"/>
               </a:ext>
             </a:extLst>
           </p:cNvPr>
@@ -2308,7 +2307,7 @@
           <p:cNvPr id="5" name="Text Placeholder 4">
             <a:extLst>
               <a:ext uri="{FF2B5EF4-FFF2-40B4-BE49-F238E27FC236}">
-                <a16:creationId xmlns:a16="http://schemas.microsoft.com/office/drawing/2014/main" xmlns="" id="{B6A7E822-2110-EC95-6A2B-FBC3FBF80C44}"/>
+                <a16:creationId xmlns:a16="http://schemas.microsoft.com/office/drawing/2014/main" id="{B6A7E822-2110-EC95-6A2B-FBC3FBF80C44}"/>
               </a:ext>
             </a:extLst>
           </p:cNvPr>
@@ -2379,7 +2378,7 @@
           <p:cNvPr id="6" name="Content Placeholder 5">
             <a:extLst>
               <a:ext uri="{FF2B5EF4-FFF2-40B4-BE49-F238E27FC236}">
-                <a16:creationId xmlns:a16="http://schemas.microsoft.com/office/drawing/2014/main" xmlns="" id="{4493B76D-8F23-3827-D282-A43628A7FEAB}"/>
+                <a16:creationId xmlns:a16="http://schemas.microsoft.com/office/drawing/2014/main" id="{4493B76D-8F23-3827-D282-A43628A7FEAB}"/>
               </a:ext>
             </a:extLst>
           </p:cNvPr>
@@ -2441,7 +2440,7 @@
           <p:cNvPr id="7" name="Date Placeholder 6">
             <a:extLst>
               <a:ext uri="{FF2B5EF4-FFF2-40B4-BE49-F238E27FC236}">
-                <a16:creationId xmlns:a16="http://schemas.microsoft.com/office/drawing/2014/main" xmlns="" id="{C90AB884-AD99-73BE-11D9-000187954AC7}"/>
+                <a16:creationId xmlns:a16="http://schemas.microsoft.com/office/drawing/2014/main" id="{C90AB884-AD99-73BE-11D9-000187954AC7}"/>
               </a:ext>
             </a:extLst>
           </p:cNvPr>
@@ -2459,7 +2458,7 @@
           <a:p>
             <a:fld id="{91DD3302-8D8E-9A42-BEB5-029D573FB8F6}" type="datetime1">
               <a:rPr lang="en-US" smtClean="0"/>
-              <a:t>1/22/24</a:t>
+              <a:t>1/23/24</a:t>
             </a:fld>
             <a:endParaRPr lang="en-US"/>
           </a:p>
@@ -2470,7 +2469,7 @@
           <p:cNvPr id="8" name="Footer Placeholder 7">
             <a:extLst>
               <a:ext uri="{FF2B5EF4-FFF2-40B4-BE49-F238E27FC236}">
-                <a16:creationId xmlns:a16="http://schemas.microsoft.com/office/drawing/2014/main" xmlns="" id="{8F08AF1E-338E-1F1D-4423-50B14A5E902F}"/>
+                <a16:creationId xmlns:a16="http://schemas.microsoft.com/office/drawing/2014/main" id="{8F08AF1E-338E-1F1D-4423-50B14A5E902F}"/>
               </a:ext>
             </a:extLst>
           </p:cNvPr>
@@ -2495,7 +2494,7 @@
           <p:cNvPr id="9" name="Slide Number Placeholder 8">
             <a:extLst>
               <a:ext uri="{FF2B5EF4-FFF2-40B4-BE49-F238E27FC236}">
-                <a16:creationId xmlns:a16="http://schemas.microsoft.com/office/drawing/2014/main" xmlns="" id="{BE16130B-54AD-30DB-F016-86D643E079B0}"/>
+                <a16:creationId xmlns:a16="http://schemas.microsoft.com/office/drawing/2014/main" id="{BE16130B-54AD-30DB-F016-86D643E079B0}"/>
               </a:ext>
             </a:extLst>
           </p:cNvPr>
@@ -2554,7 +2553,7 @@
           <p:cNvPr id="2" name="Title 1">
             <a:extLst>
               <a:ext uri="{FF2B5EF4-FFF2-40B4-BE49-F238E27FC236}">
-                <a16:creationId xmlns:a16="http://schemas.microsoft.com/office/drawing/2014/main" xmlns="" id="{36656858-0A48-AF3D-6399-00415D55A4CD}"/>
+                <a16:creationId xmlns:a16="http://schemas.microsoft.com/office/drawing/2014/main" id="{36656858-0A48-AF3D-6399-00415D55A4CD}"/>
               </a:ext>
             </a:extLst>
           </p:cNvPr>
@@ -2582,7 +2581,7 @@
           <p:cNvPr id="3" name="Date Placeholder 2">
             <a:extLst>
               <a:ext uri="{FF2B5EF4-FFF2-40B4-BE49-F238E27FC236}">
-                <a16:creationId xmlns:a16="http://schemas.microsoft.com/office/drawing/2014/main" xmlns="" id="{B5D70417-2D00-8878-CC21-D0DC61EE086C}"/>
+                <a16:creationId xmlns:a16="http://schemas.microsoft.com/office/drawing/2014/main" id="{B5D70417-2D00-8878-CC21-D0DC61EE086C}"/>
               </a:ext>
             </a:extLst>
           </p:cNvPr>
@@ -2600,7 +2599,7 @@
           <a:p>
             <a:fld id="{922EBEA8-0F72-9E4D-A0FC-24AEC8CCD866}" type="datetime1">
               <a:rPr lang="en-US" smtClean="0"/>
-              <a:t>1/22/24</a:t>
+              <a:t>1/23/24</a:t>
             </a:fld>
             <a:endParaRPr lang="en-US"/>
           </a:p>
@@ -2611,7 +2610,7 @@
           <p:cNvPr id="4" name="Footer Placeholder 3">
             <a:extLst>
               <a:ext uri="{FF2B5EF4-FFF2-40B4-BE49-F238E27FC236}">
-                <a16:creationId xmlns:a16="http://schemas.microsoft.com/office/drawing/2014/main" xmlns="" id="{5CC94592-CB80-255B-BC19-4E8CF8A073DC}"/>
+                <a16:creationId xmlns:a16="http://schemas.microsoft.com/office/drawing/2014/main" id="{5CC94592-CB80-255B-BC19-4E8CF8A073DC}"/>
               </a:ext>
             </a:extLst>
           </p:cNvPr>
@@ -2636,7 +2635,7 @@
           <p:cNvPr id="5" name="Slide Number Placeholder 4">
             <a:extLst>
               <a:ext uri="{FF2B5EF4-FFF2-40B4-BE49-F238E27FC236}">
-                <a16:creationId xmlns:a16="http://schemas.microsoft.com/office/drawing/2014/main" xmlns="" id="{CB96BEDC-1A30-0BF0-425B-E76CD9022B3F}"/>
+                <a16:creationId xmlns:a16="http://schemas.microsoft.com/office/drawing/2014/main" id="{CB96BEDC-1A30-0BF0-425B-E76CD9022B3F}"/>
               </a:ext>
             </a:extLst>
           </p:cNvPr>
@@ -2695,7 +2694,7 @@
           <p:cNvPr id="2" name="Date Placeholder 1">
             <a:extLst>
               <a:ext uri="{FF2B5EF4-FFF2-40B4-BE49-F238E27FC236}">
-                <a16:creationId xmlns:a16="http://schemas.microsoft.com/office/drawing/2014/main" xmlns="" id="{C5F6718D-93DB-C91A-D5C7-F242AF35AFBB}"/>
+                <a16:creationId xmlns:a16="http://schemas.microsoft.com/office/drawing/2014/main" id="{C5F6718D-93DB-C91A-D5C7-F242AF35AFBB}"/>
               </a:ext>
             </a:extLst>
           </p:cNvPr>
@@ -2713,7 +2712,7 @@
           <a:p>
             <a:fld id="{7EAF6747-D10C-7642-9EA5-ABEBA0082BFB}" type="datetime1">
               <a:rPr lang="en-US" smtClean="0"/>
-              <a:t>1/22/24</a:t>
+              <a:t>1/23/24</a:t>
             </a:fld>
             <a:endParaRPr lang="en-US"/>
           </a:p>
@@ -2724,7 +2723,7 @@
           <p:cNvPr id="3" name="Footer Placeholder 2">
             <a:extLst>
               <a:ext uri="{FF2B5EF4-FFF2-40B4-BE49-F238E27FC236}">
-                <a16:creationId xmlns:a16="http://schemas.microsoft.com/office/drawing/2014/main" xmlns="" id="{52D58F17-FDF3-A7A3-06D0-85F4BA764D08}"/>
+                <a16:creationId xmlns:a16="http://schemas.microsoft.com/office/drawing/2014/main" id="{52D58F17-FDF3-A7A3-06D0-85F4BA764D08}"/>
               </a:ext>
             </a:extLst>
           </p:cNvPr>
@@ -2749,7 +2748,7 @@
           <p:cNvPr id="4" name="Slide Number Placeholder 3">
             <a:extLst>
               <a:ext uri="{FF2B5EF4-FFF2-40B4-BE49-F238E27FC236}">
-                <a16:creationId xmlns:a16="http://schemas.microsoft.com/office/drawing/2014/main" xmlns="" id="{86AAB27D-5CB9-54A7-6618-AA2E80A23C82}"/>
+                <a16:creationId xmlns:a16="http://schemas.microsoft.com/office/drawing/2014/main" id="{86AAB27D-5CB9-54A7-6618-AA2E80A23C82}"/>
               </a:ext>
             </a:extLst>
           </p:cNvPr>
@@ -2808,7 +2807,7 @@
           <p:cNvPr id="2" name="Title 1">
             <a:extLst>
               <a:ext uri="{FF2B5EF4-FFF2-40B4-BE49-F238E27FC236}">
-                <a16:creationId xmlns:a16="http://schemas.microsoft.com/office/drawing/2014/main" xmlns="" id="{BD02E311-3C8B-5F15-B676-7D60160D0E21}"/>
+                <a16:creationId xmlns:a16="http://schemas.microsoft.com/office/drawing/2014/main" id="{BD02E311-3C8B-5F15-B676-7D60160D0E21}"/>
               </a:ext>
             </a:extLst>
           </p:cNvPr>
@@ -2845,7 +2844,7 @@
           <p:cNvPr id="3" name="Content Placeholder 2">
             <a:extLst>
               <a:ext uri="{FF2B5EF4-FFF2-40B4-BE49-F238E27FC236}">
-                <a16:creationId xmlns:a16="http://schemas.microsoft.com/office/drawing/2014/main" xmlns="" id="{5B4E18BC-74E4-DA0E-E67A-C01744235385}"/>
+                <a16:creationId xmlns:a16="http://schemas.microsoft.com/office/drawing/2014/main" id="{5B4E18BC-74E4-DA0E-E67A-C01744235385}"/>
               </a:ext>
             </a:extLst>
           </p:cNvPr>
@@ -2935,7 +2934,7 @@
           <p:cNvPr id="4" name="Text Placeholder 3">
             <a:extLst>
               <a:ext uri="{FF2B5EF4-FFF2-40B4-BE49-F238E27FC236}">
-                <a16:creationId xmlns:a16="http://schemas.microsoft.com/office/drawing/2014/main" xmlns="" id="{BBB8715C-E5F7-98D0-1CCA-2E7E60E1F863}"/>
+                <a16:creationId xmlns:a16="http://schemas.microsoft.com/office/drawing/2014/main" id="{BBB8715C-E5F7-98D0-1CCA-2E7E60E1F863}"/>
               </a:ext>
             </a:extLst>
           </p:cNvPr>
@@ -3006,7 +3005,7 @@
           <p:cNvPr id="5" name="Date Placeholder 4">
             <a:extLst>
               <a:ext uri="{FF2B5EF4-FFF2-40B4-BE49-F238E27FC236}">
-                <a16:creationId xmlns:a16="http://schemas.microsoft.com/office/drawing/2014/main" xmlns="" id="{DD9B4260-53E0-B94A-97C3-A426D427D92D}"/>
+                <a16:creationId xmlns:a16="http://schemas.microsoft.com/office/drawing/2014/main" id="{DD9B4260-53E0-B94A-97C3-A426D427D92D}"/>
               </a:ext>
             </a:extLst>
           </p:cNvPr>
@@ -3024,7 +3023,7 @@
           <a:p>
             <a:fld id="{B92E8A79-41AC-B641-8145-6D6FB9D14A29}" type="datetime1">
               <a:rPr lang="en-US" smtClean="0"/>
-              <a:t>1/22/24</a:t>
+              <a:t>1/23/24</a:t>
             </a:fld>
             <a:endParaRPr lang="en-US"/>
           </a:p>
@@ -3035,7 +3034,7 @@
           <p:cNvPr id="6" name="Footer Placeholder 5">
             <a:extLst>
               <a:ext uri="{FF2B5EF4-FFF2-40B4-BE49-F238E27FC236}">
-                <a16:creationId xmlns:a16="http://schemas.microsoft.com/office/drawing/2014/main" xmlns="" id="{58E0B0A2-FD68-ADFE-4ECA-C586F42A6D7B}"/>
+                <a16:creationId xmlns:a16="http://schemas.microsoft.com/office/drawing/2014/main" id="{58E0B0A2-FD68-ADFE-4ECA-C586F42A6D7B}"/>
               </a:ext>
             </a:extLst>
           </p:cNvPr>
@@ -3060,7 +3059,7 @@
           <p:cNvPr id="7" name="Slide Number Placeholder 6">
             <a:extLst>
               <a:ext uri="{FF2B5EF4-FFF2-40B4-BE49-F238E27FC236}">
-                <a16:creationId xmlns:a16="http://schemas.microsoft.com/office/drawing/2014/main" xmlns="" id="{233E42DE-7FC3-6AFB-8B5F-736DBD5482B8}"/>
+                <a16:creationId xmlns:a16="http://schemas.microsoft.com/office/drawing/2014/main" id="{233E42DE-7FC3-6AFB-8B5F-736DBD5482B8}"/>
               </a:ext>
             </a:extLst>
           </p:cNvPr>
@@ -3119,7 +3118,7 @@
           <p:cNvPr id="2" name="Title 1">
             <a:extLst>
               <a:ext uri="{FF2B5EF4-FFF2-40B4-BE49-F238E27FC236}">
-                <a16:creationId xmlns:a16="http://schemas.microsoft.com/office/drawing/2014/main" xmlns="" id="{6FC91F16-B6E2-3E7A-6584-7D979F4381C1}"/>
+                <a16:creationId xmlns:a16="http://schemas.microsoft.com/office/drawing/2014/main" id="{6FC91F16-B6E2-3E7A-6584-7D979F4381C1}"/>
               </a:ext>
             </a:extLst>
           </p:cNvPr>
@@ -3156,7 +3155,7 @@
           <p:cNvPr id="3" name="Picture Placeholder 2">
             <a:extLst>
               <a:ext uri="{FF2B5EF4-FFF2-40B4-BE49-F238E27FC236}">
-                <a16:creationId xmlns:a16="http://schemas.microsoft.com/office/drawing/2014/main" xmlns="" id="{55068CBF-84D6-D8F2-6998-F2611F8D57ED}"/>
+                <a16:creationId xmlns:a16="http://schemas.microsoft.com/office/drawing/2014/main" id="{55068CBF-84D6-D8F2-6998-F2611F8D57ED}"/>
               </a:ext>
             </a:extLst>
           </p:cNvPr>
@@ -3223,7 +3222,7 @@
           <p:cNvPr id="4" name="Text Placeholder 3">
             <a:extLst>
               <a:ext uri="{FF2B5EF4-FFF2-40B4-BE49-F238E27FC236}">
-                <a16:creationId xmlns:a16="http://schemas.microsoft.com/office/drawing/2014/main" xmlns="" id="{DB78B39D-EB2C-E66E-45D3-DDD600EBF341}"/>
+                <a16:creationId xmlns:a16="http://schemas.microsoft.com/office/drawing/2014/main" id="{DB78B39D-EB2C-E66E-45D3-DDD600EBF341}"/>
               </a:ext>
             </a:extLst>
           </p:cNvPr>
@@ -3294,7 +3293,7 @@
           <p:cNvPr id="5" name="Date Placeholder 4">
             <a:extLst>
               <a:ext uri="{FF2B5EF4-FFF2-40B4-BE49-F238E27FC236}">
-                <a16:creationId xmlns:a16="http://schemas.microsoft.com/office/drawing/2014/main" xmlns="" id="{D5B1CB4C-EF66-58F6-FB73-F3607DA6C954}"/>
+                <a16:creationId xmlns:a16="http://schemas.microsoft.com/office/drawing/2014/main" id="{D5B1CB4C-EF66-58F6-FB73-F3607DA6C954}"/>
               </a:ext>
             </a:extLst>
           </p:cNvPr>
@@ -3312,7 +3311,7 @@
           <a:p>
             <a:fld id="{38173BB9-4D3D-8B48-8F07-0C4A077AB6BE}" type="datetime1">
               <a:rPr lang="en-US" smtClean="0"/>
-              <a:t>1/22/24</a:t>
+              <a:t>1/23/24</a:t>
             </a:fld>
             <a:endParaRPr lang="en-US"/>
           </a:p>
@@ -3323,7 +3322,7 @@
           <p:cNvPr id="6" name="Footer Placeholder 5">
             <a:extLst>
               <a:ext uri="{FF2B5EF4-FFF2-40B4-BE49-F238E27FC236}">
-                <a16:creationId xmlns:a16="http://schemas.microsoft.com/office/drawing/2014/main" xmlns="" id="{142F3204-D82F-1CDB-ACB5-13C9DD7D5ACB}"/>
+                <a16:creationId xmlns:a16="http://schemas.microsoft.com/office/drawing/2014/main" id="{142F3204-D82F-1CDB-ACB5-13C9DD7D5ACB}"/>
               </a:ext>
             </a:extLst>
           </p:cNvPr>
@@ -3348,7 +3347,7 @@
           <p:cNvPr id="7" name="Slide Number Placeholder 6">
             <a:extLst>
               <a:ext uri="{FF2B5EF4-FFF2-40B4-BE49-F238E27FC236}">
-                <a16:creationId xmlns:a16="http://schemas.microsoft.com/office/drawing/2014/main" xmlns="" id="{4C92A46A-60FF-244B-9112-89CECB11D2B5}"/>
+                <a16:creationId xmlns:a16="http://schemas.microsoft.com/office/drawing/2014/main" id="{4C92A46A-60FF-244B-9112-89CECB11D2B5}"/>
               </a:ext>
             </a:extLst>
           </p:cNvPr>
@@ -3412,7 +3411,7 @@
           <p:cNvPr id="2" name="Title Placeholder 1">
             <a:extLst>
               <a:ext uri="{FF2B5EF4-FFF2-40B4-BE49-F238E27FC236}">
-                <a16:creationId xmlns:a16="http://schemas.microsoft.com/office/drawing/2014/main" xmlns="" id="{74F08EC7-01C8-5EE8-A0CC-4481FF34A4BC}"/>
+                <a16:creationId xmlns:a16="http://schemas.microsoft.com/office/drawing/2014/main" id="{74F08EC7-01C8-5EE8-A0CC-4481FF34A4BC}"/>
               </a:ext>
             </a:extLst>
           </p:cNvPr>
@@ -3450,7 +3449,7 @@
           <p:cNvPr id="3" name="Text Placeholder 2">
             <a:extLst>
               <a:ext uri="{FF2B5EF4-FFF2-40B4-BE49-F238E27FC236}">
-                <a16:creationId xmlns:a16="http://schemas.microsoft.com/office/drawing/2014/main" xmlns="" id="{F48AF781-6FDE-9F8F-1090-C02F29AC3AA7}"/>
+                <a16:creationId xmlns:a16="http://schemas.microsoft.com/office/drawing/2014/main" id="{F48AF781-6FDE-9F8F-1090-C02F29AC3AA7}"/>
               </a:ext>
             </a:extLst>
           </p:cNvPr>
@@ -3517,7 +3516,7 @@
           <p:cNvPr id="4" name="Date Placeholder 3">
             <a:extLst>
               <a:ext uri="{FF2B5EF4-FFF2-40B4-BE49-F238E27FC236}">
-                <a16:creationId xmlns:a16="http://schemas.microsoft.com/office/drawing/2014/main" xmlns="" id="{09AF841D-D4E0-389A-8B65-67EB55F4FCAD}"/>
+                <a16:creationId xmlns:a16="http://schemas.microsoft.com/office/drawing/2014/main" id="{09AF841D-D4E0-389A-8B65-67EB55F4FCAD}"/>
               </a:ext>
             </a:extLst>
           </p:cNvPr>
@@ -3553,7 +3552,7 @@
           <a:p>
             <a:fld id="{D4FDFF10-FA3B-1F42-8352-86A0C7FC3A4B}" type="datetime1">
               <a:rPr lang="en-US" smtClean="0"/>
-              <a:t>1/22/24</a:t>
+              <a:t>1/23/24</a:t>
             </a:fld>
             <a:endParaRPr lang="en-US"/>
           </a:p>
@@ -3564,7 +3563,7 @@
           <p:cNvPr id="5" name="Footer Placeholder 4">
             <a:extLst>
               <a:ext uri="{FF2B5EF4-FFF2-40B4-BE49-F238E27FC236}">
-                <a16:creationId xmlns:a16="http://schemas.microsoft.com/office/drawing/2014/main" xmlns="" id="{EF7A0826-623A-578B-F95D-199F21588604}"/>
+                <a16:creationId xmlns:a16="http://schemas.microsoft.com/office/drawing/2014/main" id="{EF7A0826-623A-578B-F95D-199F21588604}"/>
               </a:ext>
             </a:extLst>
           </p:cNvPr>
@@ -3607,7 +3606,7 @@
           <p:cNvPr id="6" name="Slide Number Placeholder 5">
             <a:extLst>
               <a:ext uri="{FF2B5EF4-FFF2-40B4-BE49-F238E27FC236}">
-                <a16:creationId xmlns:a16="http://schemas.microsoft.com/office/drawing/2014/main" xmlns="" id="{9CEA9D2D-68B8-3786-5FA5-5B907D2EC9E4}"/>
+                <a16:creationId xmlns:a16="http://schemas.microsoft.com/office/drawing/2014/main" id="{9CEA9D2D-68B8-3786-5FA5-5B907D2EC9E4}"/>
               </a:ext>
             </a:extLst>
           </p:cNvPr>
@@ -3976,7 +3975,7 @@
           <p:cNvPr id="2" name="Title 1">
             <a:extLst>
               <a:ext uri="{FF2B5EF4-FFF2-40B4-BE49-F238E27FC236}">
-                <a16:creationId xmlns:a16="http://schemas.microsoft.com/office/drawing/2014/main" xmlns="" id="{D2B8D5C3-2E83-DFE3-CF9E-7E30BAACEE0C}"/>
+                <a16:creationId xmlns:a16="http://schemas.microsoft.com/office/drawing/2014/main" id="{D2B8D5C3-2E83-DFE3-CF9E-7E30BAACEE0C}"/>
               </a:ext>
             </a:extLst>
           </p:cNvPr>
@@ -3994,7 +3993,7 @@
           <a:p>
             <a:r>
               <a:rPr lang="en-US" dirty="0"/>
-              <a:t>Coin capture task - unimodal</a:t>
+              <a:t>Unimodal coin capture task </a:t>
             </a:r>
           </a:p>
         </p:txBody>
@@ -4004,7 +4003,7 @@
           <p:cNvPr id="7" name="Picture 6">
             <a:extLst>
               <a:ext uri="{FF2B5EF4-FFF2-40B4-BE49-F238E27FC236}">
-                <a16:creationId xmlns:a16="http://schemas.microsoft.com/office/drawing/2014/main" xmlns="" id="{3E0D5F95-1B2B-6CAD-3D4D-6131F22C8008}"/>
+                <a16:creationId xmlns:a16="http://schemas.microsoft.com/office/drawing/2014/main" id="{3E0D5F95-1B2B-6CAD-3D4D-6131F22C8008}"/>
               </a:ext>
             </a:extLst>
           </p:cNvPr>
@@ -4064,7 +4063,7 @@
           <p:cNvPr id="2" name="Title 1">
             <a:extLst>
               <a:ext uri="{FF2B5EF4-FFF2-40B4-BE49-F238E27FC236}">
-                <a16:creationId xmlns:a16="http://schemas.microsoft.com/office/drawing/2014/main" xmlns="" id="{4117CDA5-372F-8C73-8187-EB5F6BCA938A}"/>
+                <a16:creationId xmlns:a16="http://schemas.microsoft.com/office/drawing/2014/main" id="{4117CDA5-372F-8C73-8187-EB5F6BCA938A}"/>
               </a:ext>
             </a:extLst>
           </p:cNvPr>
@@ -4082,7 +4081,7 @@
           <a:p>
             <a:r>
               <a:rPr lang="en-US" dirty="0"/>
-              <a:t>Coin capture task - unimodal</a:t>
+              <a:t>Unimodal coin capture task – Score system</a:t>
             </a:r>
           </a:p>
         </p:txBody>
@@ -4092,7 +4091,7 @@
           <p:cNvPr id="3" name="Content Placeholder 2">
             <a:extLst>
               <a:ext uri="{FF2B5EF4-FFF2-40B4-BE49-F238E27FC236}">
-                <a16:creationId xmlns:a16="http://schemas.microsoft.com/office/drawing/2014/main" xmlns="" id="{AAF1065B-610A-F1E6-419D-A1B1932C087E}"/>
+                <a16:creationId xmlns:a16="http://schemas.microsoft.com/office/drawing/2014/main" id="{AAF1065B-610A-F1E6-419D-A1B1932C087E}"/>
               </a:ext>
             </a:extLst>
           </p:cNvPr>
@@ -4105,82 +4104,52 @@
         </p:nvSpPr>
         <p:spPr>
           <a:xfrm>
-            <a:off x="838200" y="1733637"/>
-            <a:ext cx="10515600" cy="2511752"/>
+            <a:off x="838200" y="1480417"/>
+            <a:ext cx="10515600" cy="2880567"/>
           </a:xfrm>
         </p:spPr>
         <p:txBody>
           <a:bodyPr>
-            <a:normAutofit fontScale="92500" lnSpcReduction="20000"/>
+            <a:normAutofit/>
           </a:bodyPr>
           <a:lstStyle/>
           <a:p>
             <a:r>
-              <a:rPr lang="en-US" dirty="0" smtClean="0"/>
-              <a:t>Score system</a:t>
+              <a:rPr lang="en-US" sz="2000" dirty="0"/>
+              <a:t>In each trial, you will score between 0-1</a:t>
+            </a:r>
+          </a:p>
+          <a:p>
+            <a:r>
+              <a:rPr lang="en-US" sz="2000" dirty="0"/>
+              <a:t>The score is jointly determined by your estimate and the net length. </a:t>
             </a:r>
           </a:p>
           <a:p>
             <a:pPr lvl="1"/>
             <a:r>
-              <a:rPr lang="en-US" dirty="0" smtClean="0"/>
-              <a:t>In each trial, you will score between 0-1</a:t>
+              <a:rPr lang="en-US" sz="2200" dirty="0"/>
+              <a:t>A closer estimate to the coin gives higher score.</a:t>
             </a:r>
           </a:p>
           <a:p>
             <a:pPr lvl="1"/>
             <a:r>
-              <a:rPr lang="en-US" smtClean="0"/>
-              <a:t>The </a:t>
-            </a:r>
-            <a:endParaRPr lang="en-US" dirty="0"/>
-          </a:p>
-          <a:p>
-            <a:pPr lvl="1"/>
-            <a:r>
-              <a:rPr lang="en-US" dirty="0" smtClean="0"/>
-              <a:t>A </a:t>
-            </a:r>
-            <a:r>
-              <a:rPr lang="en-US" dirty="0"/>
-              <a:t>narrower net gives higher </a:t>
-            </a:r>
-            <a:r>
-              <a:rPr lang="en-US" dirty="0" smtClean="0"/>
-              <a:t>score, </a:t>
-            </a:r>
-            <a:r>
-              <a:rPr lang="en-US" dirty="0"/>
-              <a:t>but missing the coin yields no </a:t>
-            </a:r>
-            <a:r>
-              <a:rPr lang="en-US" dirty="0" smtClean="0"/>
-              <a:t>point</a:t>
-            </a:r>
-            <a:endParaRPr lang="en-US" dirty="0"/>
-          </a:p>
-          <a:p>
-            <a:pPr lvl="1"/>
-            <a:r>
-              <a:rPr lang="en-US" dirty="0" smtClean="0"/>
-              <a:t>In the practice, you will also see the actual score to get a sense of where the actual target is. If you missed the target, the actual score will be 0. </a:t>
-            </a:r>
-          </a:p>
-          <a:p>
-            <a:pPr lvl="1"/>
-            <a:r>
-              <a:rPr lang="en-US" dirty="0" smtClean="0"/>
-              <a:t>In the main experiment, you will only see </a:t>
-            </a:r>
-            <a:r>
-              <a:rPr lang="en-US" dirty="0"/>
-              <a:t>the potential score, which reflects how narrow your net </a:t>
-            </a:r>
-            <a:r>
-              <a:rPr lang="en-US" dirty="0" smtClean="0"/>
-              <a:t>is. You can only see the your actual total score during the break.</a:t>
-            </a:r>
-            <a:endParaRPr lang="en-US" dirty="0"/>
+              <a:rPr lang="en-US" sz="2200" dirty="0"/>
+              <a:t>A narrower net gives higher score. Missing the coin leads to 0 score.</a:t>
+            </a:r>
+          </a:p>
+          <a:p>
+            <a:r>
+              <a:rPr lang="en-US" sz="2000" dirty="0"/>
+              <a:t>In the practice, you will see two scores. The potential score reflects how narrow your net is. But if you miss the target, even if the potential score is high, your actual score will be 0. </a:t>
+            </a:r>
+          </a:p>
+          <a:p>
+            <a:r>
+              <a:rPr lang="en-US" sz="2000" dirty="0"/>
+              <a:t>In the main experiment, you will only see the potential score. You can only see the total actual scores during the break.</a:t>
+            </a:r>
           </a:p>
         </p:txBody>
       </p:sp>
@@ -4192,7 +4161,7 @@
         </p:nvGrpSpPr>
         <p:grpSpPr>
           <a:xfrm>
-            <a:off x="2189024" y="4399589"/>
+            <a:off x="2189024" y="4526198"/>
             <a:ext cx="2743199" cy="1889185"/>
             <a:chOff x="1246909" y="4200023"/>
             <a:chExt cx="3352799" cy="2309004"/>
@@ -4267,7 +4236,7 @@
             <a:p>
               <a:pPr algn="ctr"/>
               <a:r>
-                <a:rPr lang="en-US" dirty="0" smtClean="0">
+                <a:rPr lang="en-US" dirty="0">
                   <a:solidFill>
                     <a:schemeClr val="bg1"/>
                   </a:solidFill>
@@ -4278,31 +4247,28 @@
             <a:p>
               <a:pPr algn="ctr"/>
               <a:r>
-                <a:rPr lang="en-US" dirty="0" smtClean="0">
+                <a:rPr lang="en-US" dirty="0">
                   <a:solidFill>
                     <a:schemeClr val="bg1"/>
                   </a:solidFill>
                 </a:rPr>
                 <a:t>Potential score: 0.71</a:t>
               </a:r>
-              <a:endParaRPr lang="en-US" dirty="0">
-                <a:solidFill>
-                  <a:schemeClr val="bg1"/>
-                </a:solidFill>
-              </a:endParaRPr>
             </a:p>
           </p:txBody>
         </p:sp>
         <p:cxnSp>
           <p:nvCxnSpPr>
             <p:cNvPr id="7" name="Straight Connector 6"/>
-            <p:cNvCxnSpPr/>
+            <p:cNvCxnSpPr>
+              <a:cxnSpLocks/>
+            </p:cNvCxnSpPr>
             <p:nvPr/>
           </p:nvCxnSpPr>
           <p:spPr>
             <a:xfrm>
-              <a:off x="1898073" y="6096000"/>
-              <a:ext cx="1385454" cy="0"/>
+              <a:off x="2345155" y="6096000"/>
+              <a:ext cx="481428" cy="0"/>
             </a:xfrm>
             <a:prstGeom prst="line">
               <a:avLst/>
@@ -4372,7 +4338,7 @@
         </p:nvGrpSpPr>
         <p:grpSpPr>
           <a:xfrm>
-            <a:off x="6858005" y="4399588"/>
+            <a:off x="6858005" y="4526197"/>
             <a:ext cx="2743199" cy="1889185"/>
             <a:chOff x="1111442" y="4111136"/>
             <a:chExt cx="3352799" cy="2309004"/>
@@ -4455,18 +4421,13 @@
             <a:p>
               <a:pPr algn="ctr"/>
               <a:r>
-                <a:rPr lang="en-US" dirty="0" smtClean="0">
+                <a:rPr lang="en-US" dirty="0">
                   <a:solidFill>
                     <a:schemeClr val="bg1"/>
                   </a:solidFill>
                 </a:rPr>
                 <a:t> 0.52</a:t>
               </a:r>
-              <a:endParaRPr lang="en-US" dirty="0">
-                <a:solidFill>
-                  <a:schemeClr val="bg1"/>
-                </a:solidFill>
-              </a:endParaRPr>
             </a:p>
           </p:txBody>
         </p:sp>
@@ -4549,7 +4510,7 @@
         </p:nvSpPr>
         <p:spPr>
           <a:xfrm>
-            <a:off x="2189024" y="6287582"/>
+            <a:off x="2189024" y="6414191"/>
             <a:ext cx="2951011" cy="369332"/>
           </a:xfrm>
           <a:prstGeom prst="rect">
@@ -4565,10 +4526,9 @@
           <a:p>
             <a:pPr algn="ctr"/>
             <a:r>
-              <a:rPr lang="en-US" dirty="0" smtClean="0"/>
+              <a:rPr lang="en-US" dirty="0"/>
               <a:t>Practice</a:t>
             </a:r>
-            <a:endParaRPr lang="en-US" dirty="0"/>
           </a:p>
         </p:txBody>
       </p:sp>
@@ -4580,7 +4540,7 @@
         </p:nvSpPr>
         <p:spPr>
           <a:xfrm>
-            <a:off x="6919725" y="6287000"/>
+            <a:off x="6919725" y="6413609"/>
             <a:ext cx="2951011" cy="369332"/>
           </a:xfrm>
           <a:prstGeom prst="rect">
@@ -4596,10 +4556,9 @@
           <a:p>
             <a:pPr algn="ctr"/>
             <a:r>
-              <a:rPr lang="en-US" dirty="0" smtClean="0"/>
+              <a:rPr lang="en-US" dirty="0"/>
               <a:t>Main experiment</a:t>
             </a:r>
-            <a:endParaRPr lang="en-US" dirty="0"/>
           </a:p>
         </p:txBody>
       </p:sp>
@@ -4638,7 +4597,7 @@
           <p:cNvPr id="2" name="Title 1">
             <a:extLst>
               <a:ext uri="{FF2B5EF4-FFF2-40B4-BE49-F238E27FC236}">
-                <a16:creationId xmlns:a16="http://schemas.microsoft.com/office/drawing/2014/main" xmlns="" id="{4117CDA5-372F-8C73-8187-EB5F6BCA938A}"/>
+                <a16:creationId xmlns:a16="http://schemas.microsoft.com/office/drawing/2014/main" id="{4117CDA5-372F-8C73-8187-EB5F6BCA938A}"/>
               </a:ext>
             </a:extLst>
           </p:cNvPr>
@@ -4656,7 +4615,7 @@
           <a:p>
             <a:r>
               <a:rPr lang="en-US" dirty="0"/>
-              <a:t>Coin capture task - unimodal</a:t>
+              <a:t>Unimodal coin capture task – Sessions</a:t>
             </a:r>
           </a:p>
         </p:txBody>
@@ -4666,7 +4625,7 @@
           <p:cNvPr id="3" name="Content Placeholder 2">
             <a:extLst>
               <a:ext uri="{FF2B5EF4-FFF2-40B4-BE49-F238E27FC236}">
-                <a16:creationId xmlns:a16="http://schemas.microsoft.com/office/drawing/2014/main" xmlns="" id="{AAF1065B-610A-F1E6-419D-A1B1932C087E}"/>
+                <a16:creationId xmlns:a16="http://schemas.microsoft.com/office/drawing/2014/main" id="{AAF1065B-610A-F1E6-419D-A1B1932C087E}"/>
               </a:ext>
             </a:extLst>
           </p:cNvPr>
@@ -4685,34 +4644,29 @@
           <a:lstStyle/>
           <a:p>
             <a:r>
-              <a:rPr lang="en-US" dirty="0" smtClean="0"/>
-              <a:t>Main </a:t>
-            </a:r>
-            <a:r>
-              <a:rPr lang="en-US" dirty="0" smtClean="0"/>
-              <a:t>auditory task</a:t>
+              <a:rPr lang="en-US" dirty="0"/>
+              <a:t>Main auditory task</a:t>
             </a:r>
           </a:p>
           <a:p>
             <a:pPr lvl="1"/>
             <a:r>
-              <a:rPr lang="en-US" dirty="0" smtClean="0"/>
+              <a:rPr lang="en-US" dirty="0"/>
               <a:t>8 blocks, around 15 minutes</a:t>
             </a:r>
           </a:p>
           <a:p>
             <a:r>
-              <a:rPr lang="en-US" dirty="0" smtClean="0"/>
+              <a:rPr lang="en-US" dirty="0"/>
               <a:t>Main visual task</a:t>
             </a:r>
           </a:p>
           <a:p>
             <a:pPr lvl="1"/>
             <a:r>
-              <a:rPr lang="en-US" dirty="0" smtClean="0"/>
+              <a:rPr lang="en-US" dirty="0"/>
               <a:t>8 blocks, around 30 minutes</a:t>
             </a:r>
-            <a:endParaRPr lang="en-US" dirty="0"/>
           </a:p>
         </p:txBody>
       </p:sp>

--- a/slides/confidence_instruction.pptx
+++ b/slides/confidence_instruction.pptx
@@ -5,12 +5,13 @@
     <p:sldMasterId id="2147483648" r:id="rId1"/>
   </p:sldMasterIdLst>
   <p:notesMasterIdLst>
-    <p:notesMasterId r:id="rId5"/>
+    <p:notesMasterId r:id="rId6"/>
   </p:notesMasterIdLst>
   <p:sldIdLst>
     <p:sldId id="266" r:id="rId2"/>
     <p:sldId id="271" r:id="rId3"/>
     <p:sldId id="272" r:id="rId4"/>
+    <p:sldId id="273" r:id="rId5"/>
   </p:sldIdLst>
   <p:sldSz cx="12192000" cy="6858000"/>
   <p:notesSz cx="6858000" cy="9144000"/>
@@ -199,7 +200,7 @@
           <a:p>
             <a:fld id="{174D5E45-0ED4-AE48-B4F7-0374C793C449}" type="datetimeFigureOut">
               <a:rPr lang="en-US" smtClean="0"/>
-              <a:t>1/23/24</a:t>
+              <a:t>2/18/24</a:t>
             </a:fld>
             <a:endParaRPr lang="en-US"/>
           </a:p>
@@ -730,6 +731,169 @@
 </p:notes>
 </file>
 
+<file path=ppt/notesSlides/notesSlide4.xml><?xml version="1.0" encoding="utf-8"?>
+<p:notes xmlns:a="http://schemas.openxmlformats.org/drawingml/2006/main" xmlns:r="http://schemas.openxmlformats.org/officeDocument/2006/relationships" xmlns:p="http://schemas.openxmlformats.org/presentationml/2006/main">
+  <p:cSld>
+    <p:spTree>
+      <p:nvGrpSpPr>
+        <p:cNvPr id="1" name=""/>
+        <p:cNvGrpSpPr/>
+        <p:nvPr/>
+      </p:nvGrpSpPr>
+      <p:grpSpPr>
+        <a:xfrm>
+          <a:off x="0" y="0"/>
+          <a:ext cx="0" cy="0"/>
+          <a:chOff x="0" y="0"/>
+          <a:chExt cx="0" cy="0"/>
+        </a:xfrm>
+      </p:grpSpPr>
+      <p:sp>
+        <p:nvSpPr>
+          <p:cNvPr id="2" name="Slide Image Placeholder 1"/>
+          <p:cNvSpPr>
+            <a:spLocks noGrp="1" noRot="1" noChangeAspect="1"/>
+          </p:cNvSpPr>
+          <p:nvPr>
+            <p:ph type="sldImg"/>
+          </p:nvPr>
+        </p:nvSpPr>
+        <p:spPr/>
+      </p:sp>
+      <p:sp>
+        <p:nvSpPr>
+          <p:cNvPr id="3" name="Notes Placeholder 2"/>
+          <p:cNvSpPr>
+            <a:spLocks noGrp="1"/>
+          </p:cNvSpPr>
+          <p:nvPr>
+            <p:ph type="body" idx="1"/>
+          </p:nvPr>
+        </p:nvSpPr>
+        <p:spPr/>
+        <p:txBody>
+          <a:bodyPr/>
+          <a:lstStyle/>
+          <a:p>
+            <a:pPr rtl="0"/>
+            <a:r>
+              <a:rPr lang="en-US" sz="1200" b="0" i="0" u="none" strike="noStrike" kern="1200" dirty="0" smtClean="0">
+                <a:solidFill>
+                  <a:schemeClr val="tx1"/>
+                </a:solidFill>
+                <a:effectLst/>
+                <a:latin typeface="+mn-lt"/>
+                <a:ea typeface="+mn-ea"/>
+                <a:cs typeface="+mn-cs"/>
+              </a:rPr>
+              <a:t>You will see and hear the splash at the same time. Sometimes they come from the same coin, sometimes they come from two different coins. After the splash, you will receive a post-cue indicating whether you should locate and capture the coin based on either the sound or the bubbles.</a:t>
+            </a:r>
+            <a:endParaRPr lang="en-US" b="0" dirty="0" smtClean="0">
+              <a:effectLst/>
+            </a:endParaRPr>
+          </a:p>
+          <a:p>
+            <a:pPr rtl="0"/>
+            <a:r>
+              <a:rPr lang="en-US" sz="1200" b="0" i="0" u="none" strike="noStrike" kern="1200" dirty="0" smtClean="0">
+                <a:solidFill>
+                  <a:schemeClr val="tx1"/>
+                </a:solidFill>
+                <a:effectLst/>
+                <a:latin typeface="+mn-lt"/>
+                <a:ea typeface="+mn-ea"/>
+                <a:cs typeface="+mn-cs"/>
+              </a:rPr>
+              <a:t>When</a:t>
+            </a:r>
+            <a:r>
+              <a:rPr lang="en-US" sz="1200" b="0" i="0" u="none" strike="noStrike" kern="1200" baseline="0" dirty="0" smtClean="0">
+                <a:solidFill>
+                  <a:schemeClr val="tx1"/>
+                </a:solidFill>
+                <a:effectLst/>
+                <a:latin typeface="+mn-lt"/>
+                <a:ea typeface="+mn-ea"/>
+                <a:cs typeface="+mn-cs"/>
+              </a:rPr>
+              <a:t> you adjust the net, the point </a:t>
+            </a:r>
+            <a:endParaRPr lang="en-US" sz="1200" b="0" i="0" u="none" strike="noStrike" kern="1200" dirty="0" smtClean="0">
+              <a:solidFill>
+                <a:schemeClr val="tx1"/>
+              </a:solidFill>
+              <a:effectLst/>
+              <a:latin typeface="+mn-lt"/>
+              <a:ea typeface="+mn-ea"/>
+              <a:cs typeface="+mn-cs"/>
+            </a:endParaRPr>
+          </a:p>
+          <a:p>
+            <a:pPr rtl="0"/>
+            <a:r>
+              <a:rPr lang="en-US" sz="1200" b="0" i="0" u="none" strike="noStrike" kern="1200" dirty="0" smtClean="0">
+                <a:solidFill>
+                  <a:schemeClr val="tx1"/>
+                </a:solidFill>
+                <a:effectLst/>
+                <a:latin typeface="+mn-lt"/>
+                <a:ea typeface="+mn-ea"/>
+                <a:cs typeface="+mn-cs"/>
+              </a:rPr>
+              <a:t>You need to determine whether the sound and bubbles come from the same </a:t>
+            </a:r>
+            <a:r>
+              <a:rPr lang="en-US" sz="1200" b="0" i="0" u="none" strike="noStrike" kern="1200" smtClean="0">
+                <a:solidFill>
+                  <a:schemeClr val="tx1"/>
+                </a:solidFill>
+                <a:effectLst/>
+                <a:latin typeface="+mn-lt"/>
+                <a:ea typeface="+mn-ea"/>
+                <a:cs typeface="+mn-cs"/>
+              </a:rPr>
+              <a:t>coin.</a:t>
+            </a:r>
+            <a:endParaRPr lang="en-US" dirty="0"/>
+          </a:p>
+        </p:txBody>
+      </p:sp>
+      <p:sp>
+        <p:nvSpPr>
+          <p:cNvPr id="4" name="Slide Number Placeholder 3"/>
+          <p:cNvSpPr>
+            <a:spLocks noGrp="1"/>
+          </p:cNvSpPr>
+          <p:nvPr>
+            <p:ph type="sldNum" sz="quarter" idx="5"/>
+          </p:nvPr>
+        </p:nvSpPr>
+        <p:spPr/>
+        <p:txBody>
+          <a:bodyPr/>
+          <a:lstStyle/>
+          <a:p>
+            <a:fld id="{162AFED0-8D6E-A740-B6CE-A01B35248467}" type="slidenum">
+              <a:rPr lang="en-US" smtClean="0"/>
+              <a:t>4</a:t>
+            </a:fld>
+            <a:endParaRPr lang="en-US"/>
+          </a:p>
+        </p:txBody>
+      </p:sp>
+    </p:spTree>
+    <p:extLst>
+      <p:ext uri="{BB962C8B-B14F-4D97-AF65-F5344CB8AC3E}">
+        <p14:creationId xmlns:p14="http://schemas.microsoft.com/office/powerpoint/2010/main" val="768497645"/>
+      </p:ext>
+    </p:extLst>
+  </p:cSld>
+  <p:clrMapOvr>
+    <a:masterClrMapping/>
+  </p:clrMapOvr>
+</p:notes>
+</file>
+
 <file path=ppt/slideLayouts/slideLayout1.xml><?xml version="1.0" encoding="utf-8"?>
 <p:sldLayout xmlns:a="http://schemas.openxmlformats.org/drawingml/2006/main" xmlns:r="http://schemas.openxmlformats.org/officeDocument/2006/relationships" xmlns:p="http://schemas.openxmlformats.org/presentationml/2006/main" type="title" preserve="1">
   <p:cSld name="Title Slide">
@@ -752,7 +916,7 @@
           <p:cNvPr id="2" name="Title 1">
             <a:extLst>
               <a:ext uri="{FF2B5EF4-FFF2-40B4-BE49-F238E27FC236}">
-                <a16:creationId xmlns:a16="http://schemas.microsoft.com/office/drawing/2014/main" id="{2FB3DF2F-B1CE-016D-1AC2-1EF68D843B59}"/>
+                <a16:creationId xmlns:a16="http://schemas.microsoft.com/office/drawing/2014/main" xmlns="" id="{2FB3DF2F-B1CE-016D-1AC2-1EF68D843B59}"/>
               </a:ext>
             </a:extLst>
           </p:cNvPr>
@@ -789,7 +953,7 @@
           <p:cNvPr id="3" name="Subtitle 2">
             <a:extLst>
               <a:ext uri="{FF2B5EF4-FFF2-40B4-BE49-F238E27FC236}">
-                <a16:creationId xmlns:a16="http://schemas.microsoft.com/office/drawing/2014/main" id="{2D246D93-A2F2-CAF9-0DDE-4CFF40677914}"/>
+                <a16:creationId xmlns:a16="http://schemas.microsoft.com/office/drawing/2014/main" xmlns="" id="{2D246D93-A2F2-CAF9-0DDE-4CFF40677914}"/>
               </a:ext>
             </a:extLst>
           </p:cNvPr>
@@ -859,7 +1023,7 @@
           <p:cNvPr id="4" name="Date Placeholder 3">
             <a:extLst>
               <a:ext uri="{FF2B5EF4-FFF2-40B4-BE49-F238E27FC236}">
-                <a16:creationId xmlns:a16="http://schemas.microsoft.com/office/drawing/2014/main" id="{EF66CDCF-6CF5-42BA-3C15-EF3E8DF46238}"/>
+                <a16:creationId xmlns:a16="http://schemas.microsoft.com/office/drawing/2014/main" xmlns="" id="{EF66CDCF-6CF5-42BA-3C15-EF3E8DF46238}"/>
               </a:ext>
             </a:extLst>
           </p:cNvPr>
@@ -877,7 +1041,7 @@
           <a:p>
             <a:fld id="{A0CF804B-5F75-0C45-BD3C-43AC52F1D890}" type="datetime1">
               <a:rPr lang="en-US" smtClean="0"/>
-              <a:t>1/23/24</a:t>
+              <a:t>2/18/24</a:t>
             </a:fld>
             <a:endParaRPr lang="en-US"/>
           </a:p>
@@ -888,7 +1052,7 @@
           <p:cNvPr id="5" name="Footer Placeholder 4">
             <a:extLst>
               <a:ext uri="{FF2B5EF4-FFF2-40B4-BE49-F238E27FC236}">
-                <a16:creationId xmlns:a16="http://schemas.microsoft.com/office/drawing/2014/main" id="{4D7992D0-94AE-B646-6065-8E47817AE1A4}"/>
+                <a16:creationId xmlns:a16="http://schemas.microsoft.com/office/drawing/2014/main" xmlns="" id="{4D7992D0-94AE-B646-6065-8E47817AE1A4}"/>
               </a:ext>
             </a:extLst>
           </p:cNvPr>
@@ -913,7 +1077,7 @@
           <p:cNvPr id="6" name="Slide Number Placeholder 5">
             <a:extLst>
               <a:ext uri="{FF2B5EF4-FFF2-40B4-BE49-F238E27FC236}">
-                <a16:creationId xmlns:a16="http://schemas.microsoft.com/office/drawing/2014/main" id="{294C4148-5924-AD34-0277-4DB18466B60B}"/>
+                <a16:creationId xmlns:a16="http://schemas.microsoft.com/office/drawing/2014/main" xmlns="" id="{294C4148-5924-AD34-0277-4DB18466B60B}"/>
               </a:ext>
             </a:extLst>
           </p:cNvPr>
@@ -972,7 +1136,7 @@
           <p:cNvPr id="2" name="Title 1">
             <a:extLst>
               <a:ext uri="{FF2B5EF4-FFF2-40B4-BE49-F238E27FC236}">
-                <a16:creationId xmlns:a16="http://schemas.microsoft.com/office/drawing/2014/main" id="{22D4CFE6-7DBE-AD95-B403-ACF9DF077607}"/>
+                <a16:creationId xmlns:a16="http://schemas.microsoft.com/office/drawing/2014/main" xmlns="" id="{22D4CFE6-7DBE-AD95-B403-ACF9DF077607}"/>
               </a:ext>
             </a:extLst>
           </p:cNvPr>
@@ -1000,7 +1164,7 @@
           <p:cNvPr id="3" name="Vertical Text Placeholder 2">
             <a:extLst>
               <a:ext uri="{FF2B5EF4-FFF2-40B4-BE49-F238E27FC236}">
-                <a16:creationId xmlns:a16="http://schemas.microsoft.com/office/drawing/2014/main" id="{30DF051B-753C-BB16-4639-55FFE8902951}"/>
+                <a16:creationId xmlns:a16="http://schemas.microsoft.com/office/drawing/2014/main" xmlns="" id="{30DF051B-753C-BB16-4639-55FFE8902951}"/>
               </a:ext>
             </a:extLst>
           </p:cNvPr>
@@ -1057,7 +1221,7 @@
           <p:cNvPr id="4" name="Date Placeholder 3">
             <a:extLst>
               <a:ext uri="{FF2B5EF4-FFF2-40B4-BE49-F238E27FC236}">
-                <a16:creationId xmlns:a16="http://schemas.microsoft.com/office/drawing/2014/main" id="{D33F8D5D-CCBA-68BF-C94C-355408702D74}"/>
+                <a16:creationId xmlns:a16="http://schemas.microsoft.com/office/drawing/2014/main" xmlns="" id="{D33F8D5D-CCBA-68BF-C94C-355408702D74}"/>
               </a:ext>
             </a:extLst>
           </p:cNvPr>
@@ -1075,7 +1239,7 @@
           <a:p>
             <a:fld id="{F8D395A6-253C-DE49-AAC9-3A19B2B9C9C3}" type="datetime1">
               <a:rPr lang="en-US" smtClean="0"/>
-              <a:t>1/23/24</a:t>
+              <a:t>2/18/24</a:t>
             </a:fld>
             <a:endParaRPr lang="en-US"/>
           </a:p>
@@ -1086,7 +1250,7 @@
           <p:cNvPr id="5" name="Footer Placeholder 4">
             <a:extLst>
               <a:ext uri="{FF2B5EF4-FFF2-40B4-BE49-F238E27FC236}">
-                <a16:creationId xmlns:a16="http://schemas.microsoft.com/office/drawing/2014/main" id="{B8304D78-17E0-9241-FE35-A2CD530F9172}"/>
+                <a16:creationId xmlns:a16="http://schemas.microsoft.com/office/drawing/2014/main" xmlns="" id="{B8304D78-17E0-9241-FE35-A2CD530F9172}"/>
               </a:ext>
             </a:extLst>
           </p:cNvPr>
@@ -1111,7 +1275,7 @@
           <p:cNvPr id="6" name="Slide Number Placeholder 5">
             <a:extLst>
               <a:ext uri="{FF2B5EF4-FFF2-40B4-BE49-F238E27FC236}">
-                <a16:creationId xmlns:a16="http://schemas.microsoft.com/office/drawing/2014/main" id="{077B2099-554E-88EB-72D2-6E2651265BFA}"/>
+                <a16:creationId xmlns:a16="http://schemas.microsoft.com/office/drawing/2014/main" xmlns="" id="{077B2099-554E-88EB-72D2-6E2651265BFA}"/>
               </a:ext>
             </a:extLst>
           </p:cNvPr>
@@ -1170,7 +1334,7 @@
           <p:cNvPr id="2" name="Vertical Title 1">
             <a:extLst>
               <a:ext uri="{FF2B5EF4-FFF2-40B4-BE49-F238E27FC236}">
-                <a16:creationId xmlns:a16="http://schemas.microsoft.com/office/drawing/2014/main" id="{D42BD1C4-D58D-DF76-9BAB-63698C211F5A}"/>
+                <a16:creationId xmlns:a16="http://schemas.microsoft.com/office/drawing/2014/main" xmlns="" id="{D42BD1C4-D58D-DF76-9BAB-63698C211F5A}"/>
               </a:ext>
             </a:extLst>
           </p:cNvPr>
@@ -1203,7 +1367,7 @@
           <p:cNvPr id="3" name="Vertical Text Placeholder 2">
             <a:extLst>
               <a:ext uri="{FF2B5EF4-FFF2-40B4-BE49-F238E27FC236}">
-                <a16:creationId xmlns:a16="http://schemas.microsoft.com/office/drawing/2014/main" id="{13680B60-43D9-355D-7BC6-907EAFCFF3F7}"/>
+                <a16:creationId xmlns:a16="http://schemas.microsoft.com/office/drawing/2014/main" xmlns="" id="{13680B60-43D9-355D-7BC6-907EAFCFF3F7}"/>
               </a:ext>
             </a:extLst>
           </p:cNvPr>
@@ -1265,7 +1429,7 @@
           <p:cNvPr id="4" name="Date Placeholder 3">
             <a:extLst>
               <a:ext uri="{FF2B5EF4-FFF2-40B4-BE49-F238E27FC236}">
-                <a16:creationId xmlns:a16="http://schemas.microsoft.com/office/drawing/2014/main" id="{C5984CDB-CB1C-1872-6D57-0B92B0E2D917}"/>
+                <a16:creationId xmlns:a16="http://schemas.microsoft.com/office/drawing/2014/main" xmlns="" id="{C5984CDB-CB1C-1872-6D57-0B92B0E2D917}"/>
               </a:ext>
             </a:extLst>
           </p:cNvPr>
@@ -1283,7 +1447,7 @@
           <a:p>
             <a:fld id="{3A4586FA-CC7F-9E45-8A9E-B2046A10DE7C}" type="datetime1">
               <a:rPr lang="en-US" smtClean="0"/>
-              <a:t>1/23/24</a:t>
+              <a:t>2/18/24</a:t>
             </a:fld>
             <a:endParaRPr lang="en-US"/>
           </a:p>
@@ -1294,7 +1458,7 @@
           <p:cNvPr id="5" name="Footer Placeholder 4">
             <a:extLst>
               <a:ext uri="{FF2B5EF4-FFF2-40B4-BE49-F238E27FC236}">
-                <a16:creationId xmlns:a16="http://schemas.microsoft.com/office/drawing/2014/main" id="{81C922BE-9BC1-BE04-2086-C7B61040718D}"/>
+                <a16:creationId xmlns:a16="http://schemas.microsoft.com/office/drawing/2014/main" xmlns="" id="{81C922BE-9BC1-BE04-2086-C7B61040718D}"/>
               </a:ext>
             </a:extLst>
           </p:cNvPr>
@@ -1319,7 +1483,7 @@
           <p:cNvPr id="6" name="Slide Number Placeholder 5">
             <a:extLst>
               <a:ext uri="{FF2B5EF4-FFF2-40B4-BE49-F238E27FC236}">
-                <a16:creationId xmlns:a16="http://schemas.microsoft.com/office/drawing/2014/main" id="{DE2BAA84-AB5C-5D5C-9C5D-E3803E000620}"/>
+                <a16:creationId xmlns:a16="http://schemas.microsoft.com/office/drawing/2014/main" xmlns="" id="{DE2BAA84-AB5C-5D5C-9C5D-E3803E000620}"/>
               </a:ext>
             </a:extLst>
           </p:cNvPr>
@@ -1378,7 +1542,7 @@
           <p:cNvPr id="2" name="Title 1">
             <a:extLst>
               <a:ext uri="{FF2B5EF4-FFF2-40B4-BE49-F238E27FC236}">
-                <a16:creationId xmlns:a16="http://schemas.microsoft.com/office/drawing/2014/main" id="{AD11C0A7-E438-F6A6-C2EB-4779D5CACB6E}"/>
+                <a16:creationId xmlns:a16="http://schemas.microsoft.com/office/drawing/2014/main" xmlns="" id="{AD11C0A7-E438-F6A6-C2EB-4779D5CACB6E}"/>
               </a:ext>
             </a:extLst>
           </p:cNvPr>
@@ -1406,7 +1570,7 @@
           <p:cNvPr id="3" name="Content Placeholder 2">
             <a:extLst>
               <a:ext uri="{FF2B5EF4-FFF2-40B4-BE49-F238E27FC236}">
-                <a16:creationId xmlns:a16="http://schemas.microsoft.com/office/drawing/2014/main" id="{59FCB377-7BA2-C180-6C58-CDD6F16E4DF5}"/>
+                <a16:creationId xmlns:a16="http://schemas.microsoft.com/office/drawing/2014/main" xmlns="" id="{59FCB377-7BA2-C180-6C58-CDD6F16E4DF5}"/>
               </a:ext>
             </a:extLst>
           </p:cNvPr>
@@ -1489,7 +1653,7 @@
           <p:cNvPr id="8" name="Date Placeholder 7">
             <a:extLst>
               <a:ext uri="{FF2B5EF4-FFF2-40B4-BE49-F238E27FC236}">
-                <a16:creationId xmlns:a16="http://schemas.microsoft.com/office/drawing/2014/main" id="{86733034-AC6F-C286-D4EC-8F332B7C4055}"/>
+                <a16:creationId xmlns:a16="http://schemas.microsoft.com/office/drawing/2014/main" xmlns="" id="{86733034-AC6F-C286-D4EC-8F332B7C4055}"/>
               </a:ext>
             </a:extLst>
           </p:cNvPr>
@@ -1507,7 +1671,7 @@
           <a:p>
             <a:fld id="{D4FDFF10-FA3B-1F42-8352-86A0C7FC3A4B}" type="datetime1">
               <a:rPr lang="en-US" smtClean="0"/>
-              <a:t>1/23/24</a:t>
+              <a:t>2/18/24</a:t>
             </a:fld>
             <a:endParaRPr lang="en-US"/>
           </a:p>
@@ -1518,7 +1682,7 @@
           <p:cNvPr id="9" name="Footer Placeholder 8">
             <a:extLst>
               <a:ext uri="{FF2B5EF4-FFF2-40B4-BE49-F238E27FC236}">
-                <a16:creationId xmlns:a16="http://schemas.microsoft.com/office/drawing/2014/main" id="{3B96E423-F985-4D7C-59F4-D26FE58D8AA4}"/>
+                <a16:creationId xmlns:a16="http://schemas.microsoft.com/office/drawing/2014/main" xmlns="" id="{3B96E423-F985-4D7C-59F4-D26FE58D8AA4}"/>
               </a:ext>
             </a:extLst>
           </p:cNvPr>
@@ -1543,7 +1707,7 @@
           <p:cNvPr id="10" name="Slide Number Placeholder 9">
             <a:extLst>
               <a:ext uri="{FF2B5EF4-FFF2-40B4-BE49-F238E27FC236}">
-                <a16:creationId xmlns:a16="http://schemas.microsoft.com/office/drawing/2014/main" id="{C00A0BD7-E475-C533-A3B1-61F1A4D3ADC8}"/>
+                <a16:creationId xmlns:a16="http://schemas.microsoft.com/office/drawing/2014/main" xmlns="" id="{C00A0BD7-E475-C533-A3B1-61F1A4D3ADC8}"/>
               </a:ext>
             </a:extLst>
           </p:cNvPr>
@@ -1601,7 +1765,7 @@
           <p:cNvPr id="2" name="Title 1">
             <a:extLst>
               <a:ext uri="{FF2B5EF4-FFF2-40B4-BE49-F238E27FC236}">
-                <a16:creationId xmlns:a16="http://schemas.microsoft.com/office/drawing/2014/main" id="{9E2D3CE9-DA4A-0D1A-D4DA-52DCCC75853A}"/>
+                <a16:creationId xmlns:a16="http://schemas.microsoft.com/office/drawing/2014/main" xmlns="" id="{9E2D3CE9-DA4A-0D1A-D4DA-52DCCC75853A}"/>
               </a:ext>
             </a:extLst>
           </p:cNvPr>
@@ -1638,7 +1802,7 @@
           <p:cNvPr id="3" name="Text Placeholder 2">
             <a:extLst>
               <a:ext uri="{FF2B5EF4-FFF2-40B4-BE49-F238E27FC236}">
-                <a16:creationId xmlns:a16="http://schemas.microsoft.com/office/drawing/2014/main" id="{A35DBDF8-0A1F-5689-B6FC-010B7E1CFDE2}"/>
+                <a16:creationId xmlns:a16="http://schemas.microsoft.com/office/drawing/2014/main" xmlns="" id="{A35DBDF8-0A1F-5689-B6FC-010B7E1CFDE2}"/>
               </a:ext>
             </a:extLst>
           </p:cNvPr>
@@ -1763,7 +1927,7 @@
           <p:cNvPr id="4" name="Date Placeholder 3">
             <a:extLst>
               <a:ext uri="{FF2B5EF4-FFF2-40B4-BE49-F238E27FC236}">
-                <a16:creationId xmlns:a16="http://schemas.microsoft.com/office/drawing/2014/main" id="{929C074D-B794-0ADA-F6A4-F1E9833400E7}"/>
+                <a16:creationId xmlns:a16="http://schemas.microsoft.com/office/drawing/2014/main" xmlns="" id="{929C074D-B794-0ADA-F6A4-F1E9833400E7}"/>
               </a:ext>
             </a:extLst>
           </p:cNvPr>
@@ -1781,7 +1945,7 @@
           <a:p>
             <a:fld id="{F70EF1CC-B04E-354A-9F7A-E3929A64C3EB}" type="datetime1">
               <a:rPr lang="en-US" smtClean="0"/>
-              <a:t>1/23/24</a:t>
+              <a:t>2/18/24</a:t>
             </a:fld>
             <a:endParaRPr lang="en-US"/>
           </a:p>
@@ -1792,7 +1956,7 @@
           <p:cNvPr id="5" name="Footer Placeholder 4">
             <a:extLst>
               <a:ext uri="{FF2B5EF4-FFF2-40B4-BE49-F238E27FC236}">
-                <a16:creationId xmlns:a16="http://schemas.microsoft.com/office/drawing/2014/main" id="{9B857B31-B677-95ED-FDC9-57957E47BE62}"/>
+                <a16:creationId xmlns:a16="http://schemas.microsoft.com/office/drawing/2014/main" xmlns="" id="{9B857B31-B677-95ED-FDC9-57957E47BE62}"/>
               </a:ext>
             </a:extLst>
           </p:cNvPr>
@@ -1817,7 +1981,7 @@
           <p:cNvPr id="6" name="Slide Number Placeholder 5">
             <a:extLst>
               <a:ext uri="{FF2B5EF4-FFF2-40B4-BE49-F238E27FC236}">
-                <a16:creationId xmlns:a16="http://schemas.microsoft.com/office/drawing/2014/main" id="{75B1DEE2-5848-C6D6-FBB4-D3FEF1B7E92A}"/>
+                <a16:creationId xmlns:a16="http://schemas.microsoft.com/office/drawing/2014/main" xmlns="" id="{75B1DEE2-5848-C6D6-FBB4-D3FEF1B7E92A}"/>
               </a:ext>
             </a:extLst>
           </p:cNvPr>
@@ -1876,7 +2040,7 @@
           <p:cNvPr id="2" name="Title 1">
             <a:extLst>
               <a:ext uri="{FF2B5EF4-FFF2-40B4-BE49-F238E27FC236}">
-                <a16:creationId xmlns:a16="http://schemas.microsoft.com/office/drawing/2014/main" id="{F0921F35-A290-B2FB-6C42-CB4B87DEE1AA}"/>
+                <a16:creationId xmlns:a16="http://schemas.microsoft.com/office/drawing/2014/main" xmlns="" id="{F0921F35-A290-B2FB-6C42-CB4B87DEE1AA}"/>
               </a:ext>
             </a:extLst>
           </p:cNvPr>
@@ -1904,7 +2068,7 @@
           <p:cNvPr id="3" name="Content Placeholder 2">
             <a:extLst>
               <a:ext uri="{FF2B5EF4-FFF2-40B4-BE49-F238E27FC236}">
-                <a16:creationId xmlns:a16="http://schemas.microsoft.com/office/drawing/2014/main" id="{DAD15CE2-D0DA-365F-9999-546DB39A4629}"/>
+                <a16:creationId xmlns:a16="http://schemas.microsoft.com/office/drawing/2014/main" xmlns="" id="{DAD15CE2-D0DA-365F-9999-546DB39A4629}"/>
               </a:ext>
             </a:extLst>
           </p:cNvPr>
@@ -1966,7 +2130,7 @@
           <p:cNvPr id="4" name="Content Placeholder 3">
             <a:extLst>
               <a:ext uri="{FF2B5EF4-FFF2-40B4-BE49-F238E27FC236}">
-                <a16:creationId xmlns:a16="http://schemas.microsoft.com/office/drawing/2014/main" id="{891C4D63-483F-7F22-5B16-0E99A52A9289}"/>
+                <a16:creationId xmlns:a16="http://schemas.microsoft.com/office/drawing/2014/main" xmlns="" id="{891C4D63-483F-7F22-5B16-0E99A52A9289}"/>
               </a:ext>
             </a:extLst>
           </p:cNvPr>
@@ -2028,7 +2192,7 @@
           <p:cNvPr id="5" name="Date Placeholder 4">
             <a:extLst>
               <a:ext uri="{FF2B5EF4-FFF2-40B4-BE49-F238E27FC236}">
-                <a16:creationId xmlns:a16="http://schemas.microsoft.com/office/drawing/2014/main" id="{971F4A17-9B75-6D92-AAE1-41D45E43035F}"/>
+                <a16:creationId xmlns:a16="http://schemas.microsoft.com/office/drawing/2014/main" xmlns="" id="{971F4A17-9B75-6D92-AAE1-41D45E43035F}"/>
               </a:ext>
             </a:extLst>
           </p:cNvPr>
@@ -2046,7 +2210,7 @@
           <a:p>
             <a:fld id="{4D7D197C-1083-D94C-B266-E2020240534D}" type="datetime1">
               <a:rPr lang="en-US" smtClean="0"/>
-              <a:t>1/23/24</a:t>
+              <a:t>2/18/24</a:t>
             </a:fld>
             <a:endParaRPr lang="en-US"/>
           </a:p>
@@ -2057,7 +2221,7 @@
           <p:cNvPr id="6" name="Footer Placeholder 5">
             <a:extLst>
               <a:ext uri="{FF2B5EF4-FFF2-40B4-BE49-F238E27FC236}">
-                <a16:creationId xmlns:a16="http://schemas.microsoft.com/office/drawing/2014/main" id="{92AF078C-EEC0-A09E-FBDE-2FC1C58504FF}"/>
+                <a16:creationId xmlns:a16="http://schemas.microsoft.com/office/drawing/2014/main" xmlns="" id="{92AF078C-EEC0-A09E-FBDE-2FC1C58504FF}"/>
               </a:ext>
             </a:extLst>
           </p:cNvPr>
@@ -2082,7 +2246,7 @@
           <p:cNvPr id="7" name="Slide Number Placeholder 6">
             <a:extLst>
               <a:ext uri="{FF2B5EF4-FFF2-40B4-BE49-F238E27FC236}">
-                <a16:creationId xmlns:a16="http://schemas.microsoft.com/office/drawing/2014/main" id="{0EDDA3EE-8676-B60B-16C8-48A6BCD5BDBC}"/>
+                <a16:creationId xmlns:a16="http://schemas.microsoft.com/office/drawing/2014/main" xmlns="" id="{0EDDA3EE-8676-B60B-16C8-48A6BCD5BDBC}"/>
               </a:ext>
             </a:extLst>
           </p:cNvPr>
@@ -2141,7 +2305,7 @@
           <p:cNvPr id="2" name="Title 1">
             <a:extLst>
               <a:ext uri="{FF2B5EF4-FFF2-40B4-BE49-F238E27FC236}">
-                <a16:creationId xmlns:a16="http://schemas.microsoft.com/office/drawing/2014/main" id="{9F4256A5-20E5-2B7A-2A23-979D1AB473AD}"/>
+                <a16:creationId xmlns:a16="http://schemas.microsoft.com/office/drawing/2014/main" xmlns="" id="{9F4256A5-20E5-2B7A-2A23-979D1AB473AD}"/>
               </a:ext>
             </a:extLst>
           </p:cNvPr>
@@ -2174,7 +2338,7 @@
           <p:cNvPr id="3" name="Text Placeholder 2">
             <a:extLst>
               <a:ext uri="{FF2B5EF4-FFF2-40B4-BE49-F238E27FC236}">
-                <a16:creationId xmlns:a16="http://schemas.microsoft.com/office/drawing/2014/main" id="{6390023C-9076-1482-D97A-D1BA30FA488C}"/>
+                <a16:creationId xmlns:a16="http://schemas.microsoft.com/office/drawing/2014/main" xmlns="" id="{6390023C-9076-1482-D97A-D1BA30FA488C}"/>
               </a:ext>
             </a:extLst>
           </p:cNvPr>
@@ -2245,7 +2409,7 @@
           <p:cNvPr id="4" name="Content Placeholder 3">
             <a:extLst>
               <a:ext uri="{FF2B5EF4-FFF2-40B4-BE49-F238E27FC236}">
-                <a16:creationId xmlns:a16="http://schemas.microsoft.com/office/drawing/2014/main" id="{BE9D9B0C-3EE8-1ABD-1ACD-8645E16E61BC}"/>
+                <a16:creationId xmlns:a16="http://schemas.microsoft.com/office/drawing/2014/main" xmlns="" id="{BE9D9B0C-3EE8-1ABD-1ACD-8645E16E61BC}"/>
               </a:ext>
             </a:extLst>
           </p:cNvPr>
@@ -2307,7 +2471,7 @@
           <p:cNvPr id="5" name="Text Placeholder 4">
             <a:extLst>
               <a:ext uri="{FF2B5EF4-FFF2-40B4-BE49-F238E27FC236}">
-                <a16:creationId xmlns:a16="http://schemas.microsoft.com/office/drawing/2014/main" id="{B6A7E822-2110-EC95-6A2B-FBC3FBF80C44}"/>
+                <a16:creationId xmlns:a16="http://schemas.microsoft.com/office/drawing/2014/main" xmlns="" id="{B6A7E822-2110-EC95-6A2B-FBC3FBF80C44}"/>
               </a:ext>
             </a:extLst>
           </p:cNvPr>
@@ -2378,7 +2542,7 @@
           <p:cNvPr id="6" name="Content Placeholder 5">
             <a:extLst>
               <a:ext uri="{FF2B5EF4-FFF2-40B4-BE49-F238E27FC236}">
-                <a16:creationId xmlns:a16="http://schemas.microsoft.com/office/drawing/2014/main" id="{4493B76D-8F23-3827-D282-A43628A7FEAB}"/>
+                <a16:creationId xmlns:a16="http://schemas.microsoft.com/office/drawing/2014/main" xmlns="" id="{4493B76D-8F23-3827-D282-A43628A7FEAB}"/>
               </a:ext>
             </a:extLst>
           </p:cNvPr>
@@ -2440,7 +2604,7 @@
           <p:cNvPr id="7" name="Date Placeholder 6">
             <a:extLst>
               <a:ext uri="{FF2B5EF4-FFF2-40B4-BE49-F238E27FC236}">
-                <a16:creationId xmlns:a16="http://schemas.microsoft.com/office/drawing/2014/main" id="{C90AB884-AD99-73BE-11D9-000187954AC7}"/>
+                <a16:creationId xmlns:a16="http://schemas.microsoft.com/office/drawing/2014/main" xmlns="" id="{C90AB884-AD99-73BE-11D9-000187954AC7}"/>
               </a:ext>
             </a:extLst>
           </p:cNvPr>
@@ -2458,7 +2622,7 @@
           <a:p>
             <a:fld id="{91DD3302-8D8E-9A42-BEB5-029D573FB8F6}" type="datetime1">
               <a:rPr lang="en-US" smtClean="0"/>
-              <a:t>1/23/24</a:t>
+              <a:t>2/18/24</a:t>
             </a:fld>
             <a:endParaRPr lang="en-US"/>
           </a:p>
@@ -2469,7 +2633,7 @@
           <p:cNvPr id="8" name="Footer Placeholder 7">
             <a:extLst>
               <a:ext uri="{FF2B5EF4-FFF2-40B4-BE49-F238E27FC236}">
-                <a16:creationId xmlns:a16="http://schemas.microsoft.com/office/drawing/2014/main" id="{8F08AF1E-338E-1F1D-4423-50B14A5E902F}"/>
+                <a16:creationId xmlns:a16="http://schemas.microsoft.com/office/drawing/2014/main" xmlns="" id="{8F08AF1E-338E-1F1D-4423-50B14A5E902F}"/>
               </a:ext>
             </a:extLst>
           </p:cNvPr>
@@ -2494,7 +2658,7 @@
           <p:cNvPr id="9" name="Slide Number Placeholder 8">
             <a:extLst>
               <a:ext uri="{FF2B5EF4-FFF2-40B4-BE49-F238E27FC236}">
-                <a16:creationId xmlns:a16="http://schemas.microsoft.com/office/drawing/2014/main" id="{BE16130B-54AD-30DB-F016-86D643E079B0}"/>
+                <a16:creationId xmlns:a16="http://schemas.microsoft.com/office/drawing/2014/main" xmlns="" id="{BE16130B-54AD-30DB-F016-86D643E079B0}"/>
               </a:ext>
             </a:extLst>
           </p:cNvPr>
@@ -2553,7 +2717,7 @@
           <p:cNvPr id="2" name="Title 1">
             <a:extLst>
               <a:ext uri="{FF2B5EF4-FFF2-40B4-BE49-F238E27FC236}">
-                <a16:creationId xmlns:a16="http://schemas.microsoft.com/office/drawing/2014/main" id="{36656858-0A48-AF3D-6399-00415D55A4CD}"/>
+                <a16:creationId xmlns:a16="http://schemas.microsoft.com/office/drawing/2014/main" xmlns="" id="{36656858-0A48-AF3D-6399-00415D55A4CD}"/>
               </a:ext>
             </a:extLst>
           </p:cNvPr>
@@ -2581,7 +2745,7 @@
           <p:cNvPr id="3" name="Date Placeholder 2">
             <a:extLst>
               <a:ext uri="{FF2B5EF4-FFF2-40B4-BE49-F238E27FC236}">
-                <a16:creationId xmlns:a16="http://schemas.microsoft.com/office/drawing/2014/main" id="{B5D70417-2D00-8878-CC21-D0DC61EE086C}"/>
+                <a16:creationId xmlns:a16="http://schemas.microsoft.com/office/drawing/2014/main" xmlns="" id="{B5D70417-2D00-8878-CC21-D0DC61EE086C}"/>
               </a:ext>
             </a:extLst>
           </p:cNvPr>
@@ -2599,7 +2763,7 @@
           <a:p>
             <a:fld id="{922EBEA8-0F72-9E4D-A0FC-24AEC8CCD866}" type="datetime1">
               <a:rPr lang="en-US" smtClean="0"/>
-              <a:t>1/23/24</a:t>
+              <a:t>2/18/24</a:t>
             </a:fld>
             <a:endParaRPr lang="en-US"/>
           </a:p>
@@ -2610,7 +2774,7 @@
           <p:cNvPr id="4" name="Footer Placeholder 3">
             <a:extLst>
               <a:ext uri="{FF2B5EF4-FFF2-40B4-BE49-F238E27FC236}">
-                <a16:creationId xmlns:a16="http://schemas.microsoft.com/office/drawing/2014/main" id="{5CC94592-CB80-255B-BC19-4E8CF8A073DC}"/>
+                <a16:creationId xmlns:a16="http://schemas.microsoft.com/office/drawing/2014/main" xmlns="" id="{5CC94592-CB80-255B-BC19-4E8CF8A073DC}"/>
               </a:ext>
             </a:extLst>
           </p:cNvPr>
@@ -2635,7 +2799,7 @@
           <p:cNvPr id="5" name="Slide Number Placeholder 4">
             <a:extLst>
               <a:ext uri="{FF2B5EF4-FFF2-40B4-BE49-F238E27FC236}">
-                <a16:creationId xmlns:a16="http://schemas.microsoft.com/office/drawing/2014/main" id="{CB96BEDC-1A30-0BF0-425B-E76CD9022B3F}"/>
+                <a16:creationId xmlns:a16="http://schemas.microsoft.com/office/drawing/2014/main" xmlns="" id="{CB96BEDC-1A30-0BF0-425B-E76CD9022B3F}"/>
               </a:ext>
             </a:extLst>
           </p:cNvPr>
@@ -2694,7 +2858,7 @@
           <p:cNvPr id="2" name="Date Placeholder 1">
             <a:extLst>
               <a:ext uri="{FF2B5EF4-FFF2-40B4-BE49-F238E27FC236}">
-                <a16:creationId xmlns:a16="http://schemas.microsoft.com/office/drawing/2014/main" id="{C5F6718D-93DB-C91A-D5C7-F242AF35AFBB}"/>
+                <a16:creationId xmlns:a16="http://schemas.microsoft.com/office/drawing/2014/main" xmlns="" id="{C5F6718D-93DB-C91A-D5C7-F242AF35AFBB}"/>
               </a:ext>
             </a:extLst>
           </p:cNvPr>
@@ -2712,7 +2876,7 @@
           <a:p>
             <a:fld id="{7EAF6747-D10C-7642-9EA5-ABEBA0082BFB}" type="datetime1">
               <a:rPr lang="en-US" smtClean="0"/>
-              <a:t>1/23/24</a:t>
+              <a:t>2/18/24</a:t>
             </a:fld>
             <a:endParaRPr lang="en-US"/>
           </a:p>
@@ -2723,7 +2887,7 @@
           <p:cNvPr id="3" name="Footer Placeholder 2">
             <a:extLst>
               <a:ext uri="{FF2B5EF4-FFF2-40B4-BE49-F238E27FC236}">
-                <a16:creationId xmlns:a16="http://schemas.microsoft.com/office/drawing/2014/main" id="{52D58F17-FDF3-A7A3-06D0-85F4BA764D08}"/>
+                <a16:creationId xmlns:a16="http://schemas.microsoft.com/office/drawing/2014/main" xmlns="" id="{52D58F17-FDF3-A7A3-06D0-85F4BA764D08}"/>
               </a:ext>
             </a:extLst>
           </p:cNvPr>
@@ -2748,7 +2912,7 @@
           <p:cNvPr id="4" name="Slide Number Placeholder 3">
             <a:extLst>
               <a:ext uri="{FF2B5EF4-FFF2-40B4-BE49-F238E27FC236}">
-                <a16:creationId xmlns:a16="http://schemas.microsoft.com/office/drawing/2014/main" id="{86AAB27D-5CB9-54A7-6618-AA2E80A23C82}"/>
+                <a16:creationId xmlns:a16="http://schemas.microsoft.com/office/drawing/2014/main" xmlns="" id="{86AAB27D-5CB9-54A7-6618-AA2E80A23C82}"/>
               </a:ext>
             </a:extLst>
           </p:cNvPr>
@@ -2807,7 +2971,7 @@
           <p:cNvPr id="2" name="Title 1">
             <a:extLst>
               <a:ext uri="{FF2B5EF4-FFF2-40B4-BE49-F238E27FC236}">
-                <a16:creationId xmlns:a16="http://schemas.microsoft.com/office/drawing/2014/main" id="{BD02E311-3C8B-5F15-B676-7D60160D0E21}"/>
+                <a16:creationId xmlns:a16="http://schemas.microsoft.com/office/drawing/2014/main" xmlns="" id="{BD02E311-3C8B-5F15-B676-7D60160D0E21}"/>
               </a:ext>
             </a:extLst>
           </p:cNvPr>
@@ -2844,7 +3008,7 @@
           <p:cNvPr id="3" name="Content Placeholder 2">
             <a:extLst>
               <a:ext uri="{FF2B5EF4-FFF2-40B4-BE49-F238E27FC236}">
-                <a16:creationId xmlns:a16="http://schemas.microsoft.com/office/drawing/2014/main" id="{5B4E18BC-74E4-DA0E-E67A-C01744235385}"/>
+                <a16:creationId xmlns:a16="http://schemas.microsoft.com/office/drawing/2014/main" xmlns="" id="{5B4E18BC-74E4-DA0E-E67A-C01744235385}"/>
               </a:ext>
             </a:extLst>
           </p:cNvPr>
@@ -2934,7 +3098,7 @@
           <p:cNvPr id="4" name="Text Placeholder 3">
             <a:extLst>
               <a:ext uri="{FF2B5EF4-FFF2-40B4-BE49-F238E27FC236}">
-                <a16:creationId xmlns:a16="http://schemas.microsoft.com/office/drawing/2014/main" id="{BBB8715C-E5F7-98D0-1CCA-2E7E60E1F863}"/>
+                <a16:creationId xmlns:a16="http://schemas.microsoft.com/office/drawing/2014/main" xmlns="" id="{BBB8715C-E5F7-98D0-1CCA-2E7E60E1F863}"/>
               </a:ext>
             </a:extLst>
           </p:cNvPr>
@@ -3005,7 +3169,7 @@
           <p:cNvPr id="5" name="Date Placeholder 4">
             <a:extLst>
               <a:ext uri="{FF2B5EF4-FFF2-40B4-BE49-F238E27FC236}">
-                <a16:creationId xmlns:a16="http://schemas.microsoft.com/office/drawing/2014/main" id="{DD9B4260-53E0-B94A-97C3-A426D427D92D}"/>
+                <a16:creationId xmlns:a16="http://schemas.microsoft.com/office/drawing/2014/main" xmlns="" id="{DD9B4260-53E0-B94A-97C3-A426D427D92D}"/>
               </a:ext>
             </a:extLst>
           </p:cNvPr>
@@ -3023,7 +3187,7 @@
           <a:p>
             <a:fld id="{B92E8A79-41AC-B641-8145-6D6FB9D14A29}" type="datetime1">
               <a:rPr lang="en-US" smtClean="0"/>
-              <a:t>1/23/24</a:t>
+              <a:t>2/18/24</a:t>
             </a:fld>
             <a:endParaRPr lang="en-US"/>
           </a:p>
@@ -3034,7 +3198,7 @@
           <p:cNvPr id="6" name="Footer Placeholder 5">
             <a:extLst>
               <a:ext uri="{FF2B5EF4-FFF2-40B4-BE49-F238E27FC236}">
-                <a16:creationId xmlns:a16="http://schemas.microsoft.com/office/drawing/2014/main" id="{58E0B0A2-FD68-ADFE-4ECA-C586F42A6D7B}"/>
+                <a16:creationId xmlns:a16="http://schemas.microsoft.com/office/drawing/2014/main" xmlns="" id="{58E0B0A2-FD68-ADFE-4ECA-C586F42A6D7B}"/>
               </a:ext>
             </a:extLst>
           </p:cNvPr>
@@ -3059,7 +3223,7 @@
           <p:cNvPr id="7" name="Slide Number Placeholder 6">
             <a:extLst>
               <a:ext uri="{FF2B5EF4-FFF2-40B4-BE49-F238E27FC236}">
-                <a16:creationId xmlns:a16="http://schemas.microsoft.com/office/drawing/2014/main" id="{233E42DE-7FC3-6AFB-8B5F-736DBD5482B8}"/>
+                <a16:creationId xmlns:a16="http://schemas.microsoft.com/office/drawing/2014/main" xmlns="" id="{233E42DE-7FC3-6AFB-8B5F-736DBD5482B8}"/>
               </a:ext>
             </a:extLst>
           </p:cNvPr>
@@ -3118,7 +3282,7 @@
           <p:cNvPr id="2" name="Title 1">
             <a:extLst>
               <a:ext uri="{FF2B5EF4-FFF2-40B4-BE49-F238E27FC236}">
-                <a16:creationId xmlns:a16="http://schemas.microsoft.com/office/drawing/2014/main" id="{6FC91F16-B6E2-3E7A-6584-7D979F4381C1}"/>
+                <a16:creationId xmlns:a16="http://schemas.microsoft.com/office/drawing/2014/main" xmlns="" id="{6FC91F16-B6E2-3E7A-6584-7D979F4381C1}"/>
               </a:ext>
             </a:extLst>
           </p:cNvPr>
@@ -3155,7 +3319,7 @@
           <p:cNvPr id="3" name="Picture Placeholder 2">
             <a:extLst>
               <a:ext uri="{FF2B5EF4-FFF2-40B4-BE49-F238E27FC236}">
-                <a16:creationId xmlns:a16="http://schemas.microsoft.com/office/drawing/2014/main" id="{55068CBF-84D6-D8F2-6998-F2611F8D57ED}"/>
+                <a16:creationId xmlns:a16="http://schemas.microsoft.com/office/drawing/2014/main" xmlns="" id="{55068CBF-84D6-D8F2-6998-F2611F8D57ED}"/>
               </a:ext>
             </a:extLst>
           </p:cNvPr>
@@ -3222,7 +3386,7 @@
           <p:cNvPr id="4" name="Text Placeholder 3">
             <a:extLst>
               <a:ext uri="{FF2B5EF4-FFF2-40B4-BE49-F238E27FC236}">
-                <a16:creationId xmlns:a16="http://schemas.microsoft.com/office/drawing/2014/main" id="{DB78B39D-EB2C-E66E-45D3-DDD600EBF341}"/>
+                <a16:creationId xmlns:a16="http://schemas.microsoft.com/office/drawing/2014/main" xmlns="" id="{DB78B39D-EB2C-E66E-45D3-DDD600EBF341}"/>
               </a:ext>
             </a:extLst>
           </p:cNvPr>
@@ -3293,7 +3457,7 @@
           <p:cNvPr id="5" name="Date Placeholder 4">
             <a:extLst>
               <a:ext uri="{FF2B5EF4-FFF2-40B4-BE49-F238E27FC236}">
-                <a16:creationId xmlns:a16="http://schemas.microsoft.com/office/drawing/2014/main" id="{D5B1CB4C-EF66-58F6-FB73-F3607DA6C954}"/>
+                <a16:creationId xmlns:a16="http://schemas.microsoft.com/office/drawing/2014/main" xmlns="" id="{D5B1CB4C-EF66-58F6-FB73-F3607DA6C954}"/>
               </a:ext>
             </a:extLst>
           </p:cNvPr>
@@ -3311,7 +3475,7 @@
           <a:p>
             <a:fld id="{38173BB9-4D3D-8B48-8F07-0C4A077AB6BE}" type="datetime1">
               <a:rPr lang="en-US" smtClean="0"/>
-              <a:t>1/23/24</a:t>
+              <a:t>2/18/24</a:t>
             </a:fld>
             <a:endParaRPr lang="en-US"/>
           </a:p>
@@ -3322,7 +3486,7 @@
           <p:cNvPr id="6" name="Footer Placeholder 5">
             <a:extLst>
               <a:ext uri="{FF2B5EF4-FFF2-40B4-BE49-F238E27FC236}">
-                <a16:creationId xmlns:a16="http://schemas.microsoft.com/office/drawing/2014/main" id="{142F3204-D82F-1CDB-ACB5-13C9DD7D5ACB}"/>
+                <a16:creationId xmlns:a16="http://schemas.microsoft.com/office/drawing/2014/main" xmlns="" id="{142F3204-D82F-1CDB-ACB5-13C9DD7D5ACB}"/>
               </a:ext>
             </a:extLst>
           </p:cNvPr>
@@ -3347,7 +3511,7 @@
           <p:cNvPr id="7" name="Slide Number Placeholder 6">
             <a:extLst>
               <a:ext uri="{FF2B5EF4-FFF2-40B4-BE49-F238E27FC236}">
-                <a16:creationId xmlns:a16="http://schemas.microsoft.com/office/drawing/2014/main" id="{4C92A46A-60FF-244B-9112-89CECB11D2B5}"/>
+                <a16:creationId xmlns:a16="http://schemas.microsoft.com/office/drawing/2014/main" xmlns="" id="{4C92A46A-60FF-244B-9112-89CECB11D2B5}"/>
               </a:ext>
             </a:extLst>
           </p:cNvPr>
@@ -3411,7 +3575,7 @@
           <p:cNvPr id="2" name="Title Placeholder 1">
             <a:extLst>
               <a:ext uri="{FF2B5EF4-FFF2-40B4-BE49-F238E27FC236}">
-                <a16:creationId xmlns:a16="http://schemas.microsoft.com/office/drawing/2014/main" id="{74F08EC7-01C8-5EE8-A0CC-4481FF34A4BC}"/>
+                <a16:creationId xmlns:a16="http://schemas.microsoft.com/office/drawing/2014/main" xmlns="" id="{74F08EC7-01C8-5EE8-A0CC-4481FF34A4BC}"/>
               </a:ext>
             </a:extLst>
           </p:cNvPr>
@@ -3449,7 +3613,7 @@
           <p:cNvPr id="3" name="Text Placeholder 2">
             <a:extLst>
               <a:ext uri="{FF2B5EF4-FFF2-40B4-BE49-F238E27FC236}">
-                <a16:creationId xmlns:a16="http://schemas.microsoft.com/office/drawing/2014/main" id="{F48AF781-6FDE-9F8F-1090-C02F29AC3AA7}"/>
+                <a16:creationId xmlns:a16="http://schemas.microsoft.com/office/drawing/2014/main" xmlns="" id="{F48AF781-6FDE-9F8F-1090-C02F29AC3AA7}"/>
               </a:ext>
             </a:extLst>
           </p:cNvPr>
@@ -3516,7 +3680,7 @@
           <p:cNvPr id="4" name="Date Placeholder 3">
             <a:extLst>
               <a:ext uri="{FF2B5EF4-FFF2-40B4-BE49-F238E27FC236}">
-                <a16:creationId xmlns:a16="http://schemas.microsoft.com/office/drawing/2014/main" id="{09AF841D-D4E0-389A-8B65-67EB55F4FCAD}"/>
+                <a16:creationId xmlns:a16="http://schemas.microsoft.com/office/drawing/2014/main" xmlns="" id="{09AF841D-D4E0-389A-8B65-67EB55F4FCAD}"/>
               </a:ext>
             </a:extLst>
           </p:cNvPr>
@@ -3552,7 +3716,7 @@
           <a:p>
             <a:fld id="{D4FDFF10-FA3B-1F42-8352-86A0C7FC3A4B}" type="datetime1">
               <a:rPr lang="en-US" smtClean="0"/>
-              <a:t>1/23/24</a:t>
+              <a:t>2/18/24</a:t>
             </a:fld>
             <a:endParaRPr lang="en-US"/>
           </a:p>
@@ -3563,7 +3727,7 @@
           <p:cNvPr id="5" name="Footer Placeholder 4">
             <a:extLst>
               <a:ext uri="{FF2B5EF4-FFF2-40B4-BE49-F238E27FC236}">
-                <a16:creationId xmlns:a16="http://schemas.microsoft.com/office/drawing/2014/main" id="{EF7A0826-623A-578B-F95D-199F21588604}"/>
+                <a16:creationId xmlns:a16="http://schemas.microsoft.com/office/drawing/2014/main" xmlns="" id="{EF7A0826-623A-578B-F95D-199F21588604}"/>
               </a:ext>
             </a:extLst>
           </p:cNvPr>
@@ -3606,7 +3770,7 @@
           <p:cNvPr id="6" name="Slide Number Placeholder 5">
             <a:extLst>
               <a:ext uri="{FF2B5EF4-FFF2-40B4-BE49-F238E27FC236}">
-                <a16:creationId xmlns:a16="http://schemas.microsoft.com/office/drawing/2014/main" id="{9CEA9D2D-68B8-3786-5FA5-5B907D2EC9E4}"/>
+                <a16:creationId xmlns:a16="http://schemas.microsoft.com/office/drawing/2014/main" xmlns="" id="{9CEA9D2D-68B8-3786-5FA5-5B907D2EC9E4}"/>
               </a:ext>
             </a:extLst>
           </p:cNvPr>
@@ -3975,7 +4139,7 @@
           <p:cNvPr id="2" name="Title 1">
             <a:extLst>
               <a:ext uri="{FF2B5EF4-FFF2-40B4-BE49-F238E27FC236}">
-                <a16:creationId xmlns:a16="http://schemas.microsoft.com/office/drawing/2014/main" id="{D2B8D5C3-2E83-DFE3-CF9E-7E30BAACEE0C}"/>
+                <a16:creationId xmlns:a16="http://schemas.microsoft.com/office/drawing/2014/main" xmlns="" id="{D2B8D5C3-2E83-DFE3-CF9E-7E30BAACEE0C}"/>
               </a:ext>
             </a:extLst>
           </p:cNvPr>
@@ -4003,7 +4167,7 @@
           <p:cNvPr id="7" name="Picture 6">
             <a:extLst>
               <a:ext uri="{FF2B5EF4-FFF2-40B4-BE49-F238E27FC236}">
-                <a16:creationId xmlns:a16="http://schemas.microsoft.com/office/drawing/2014/main" id="{3E0D5F95-1B2B-6CAD-3D4D-6131F22C8008}"/>
+                <a16:creationId xmlns:a16="http://schemas.microsoft.com/office/drawing/2014/main" xmlns="" id="{3E0D5F95-1B2B-6CAD-3D4D-6131F22C8008}"/>
               </a:ext>
             </a:extLst>
           </p:cNvPr>
@@ -4063,7 +4227,7 @@
           <p:cNvPr id="2" name="Title 1">
             <a:extLst>
               <a:ext uri="{FF2B5EF4-FFF2-40B4-BE49-F238E27FC236}">
-                <a16:creationId xmlns:a16="http://schemas.microsoft.com/office/drawing/2014/main" id="{4117CDA5-372F-8C73-8187-EB5F6BCA938A}"/>
+                <a16:creationId xmlns:a16="http://schemas.microsoft.com/office/drawing/2014/main" xmlns="" id="{4117CDA5-372F-8C73-8187-EB5F6BCA938A}"/>
               </a:ext>
             </a:extLst>
           </p:cNvPr>
@@ -4091,7 +4255,7 @@
           <p:cNvPr id="3" name="Content Placeholder 2">
             <a:extLst>
               <a:ext uri="{FF2B5EF4-FFF2-40B4-BE49-F238E27FC236}">
-                <a16:creationId xmlns:a16="http://schemas.microsoft.com/office/drawing/2014/main" id="{AAF1065B-610A-F1E6-419D-A1B1932C087E}"/>
+                <a16:creationId xmlns:a16="http://schemas.microsoft.com/office/drawing/2014/main" xmlns="" id="{AAF1065B-610A-F1E6-419D-A1B1932C087E}"/>
               </a:ext>
             </a:extLst>
           </p:cNvPr>
@@ -4597,7 +4761,7 @@
           <p:cNvPr id="2" name="Title 1">
             <a:extLst>
               <a:ext uri="{FF2B5EF4-FFF2-40B4-BE49-F238E27FC236}">
-                <a16:creationId xmlns:a16="http://schemas.microsoft.com/office/drawing/2014/main" id="{4117CDA5-372F-8C73-8187-EB5F6BCA938A}"/>
+                <a16:creationId xmlns:a16="http://schemas.microsoft.com/office/drawing/2014/main" xmlns="" id="{4117CDA5-372F-8C73-8187-EB5F6BCA938A}"/>
               </a:ext>
             </a:extLst>
           </p:cNvPr>
@@ -4625,7 +4789,7 @@
           <p:cNvPr id="3" name="Content Placeholder 2">
             <a:extLst>
               <a:ext uri="{FF2B5EF4-FFF2-40B4-BE49-F238E27FC236}">
-                <a16:creationId xmlns:a16="http://schemas.microsoft.com/office/drawing/2014/main" id="{AAF1065B-610A-F1E6-419D-A1B1932C087E}"/>
+                <a16:creationId xmlns:a16="http://schemas.microsoft.com/office/drawing/2014/main" xmlns="" id="{AAF1065B-610A-F1E6-419D-A1B1932C087E}"/>
               </a:ext>
             </a:extLst>
           </p:cNvPr>
@@ -4674,6 +4838,107 @@
     <p:extLst>
       <p:ext uri="{BB962C8B-B14F-4D97-AF65-F5344CB8AC3E}">
         <p14:creationId xmlns:p14="http://schemas.microsoft.com/office/powerpoint/2010/main" val="420534831"/>
+      </p:ext>
+    </p:extLst>
+  </p:cSld>
+  <p:clrMapOvr>
+    <a:masterClrMapping/>
+  </p:clrMapOvr>
+</p:sld>
+</file>
+
+<file path=ppt/slides/slide4.xml><?xml version="1.0" encoding="utf-8"?>
+<p:sld xmlns:a="http://schemas.openxmlformats.org/drawingml/2006/main" xmlns:r="http://schemas.openxmlformats.org/officeDocument/2006/relationships" xmlns:p="http://schemas.openxmlformats.org/presentationml/2006/main">
+  <p:cSld>
+    <p:spTree>
+      <p:nvGrpSpPr>
+        <p:cNvPr id="1" name=""/>
+        <p:cNvGrpSpPr/>
+        <p:nvPr/>
+      </p:nvGrpSpPr>
+      <p:grpSpPr>
+        <a:xfrm>
+          <a:off x="0" y="0"/>
+          <a:ext cx="0" cy="0"/>
+          <a:chOff x="0" y="0"/>
+          <a:chExt cx="0" cy="0"/>
+        </a:xfrm>
+      </p:grpSpPr>
+      <p:sp>
+        <p:nvSpPr>
+          <p:cNvPr id="2" name="Title 1">
+            <a:extLst>
+              <a:ext uri="{FF2B5EF4-FFF2-40B4-BE49-F238E27FC236}">
+                <a16:creationId xmlns:a16="http://schemas.microsoft.com/office/drawing/2014/main" xmlns="" id="{D2B8D5C3-2E83-DFE3-CF9E-7E30BAACEE0C}"/>
+              </a:ext>
+            </a:extLst>
+          </p:cNvPr>
+          <p:cNvSpPr>
+            <a:spLocks noGrp="1"/>
+          </p:cNvSpPr>
+          <p:nvPr>
+            <p:ph type="title"/>
+          </p:nvPr>
+        </p:nvSpPr>
+        <p:spPr/>
+        <p:txBody>
+          <a:bodyPr/>
+          <a:lstStyle/>
+          <a:p>
+            <a:r>
+              <a:rPr lang="en-US" dirty="0" smtClean="0"/>
+              <a:t>Bimodal coin </a:t>
+            </a:r>
+            <a:r>
+              <a:rPr lang="en-US" dirty="0"/>
+              <a:t>capture task </a:t>
+            </a:r>
+          </a:p>
+        </p:txBody>
+      </p:sp>
+      <p:pic>
+        <p:nvPicPr>
+          <p:cNvPr id="1026" name="Picture 2" descr="https://lh7-us.googleusercontent.com/EeOHGAQLJ6tsczm7yRf1hsKUXgP4SbWuhQzZQqsVC06MeYDoQ3BG8nmhDoFGjhi8P_3ZhQQgWHXqwx7EUmaS-Ityu4vCYT18TIAe31z6q3Dk3kdhGvMYqSB5AlWao0iC5yybn_gaW0fviTYNoVbwCw=s2048"/>
+          <p:cNvPicPr>
+            <a:picLocks noChangeAspect="1" noChangeArrowheads="1"/>
+          </p:cNvPicPr>
+          <p:nvPr/>
+        </p:nvPicPr>
+        <p:blipFill rotWithShape="1">
+          <a:blip r:embed="rId3">
+            <a:extLst>
+              <a:ext uri="{28A0092B-C50C-407E-A947-70E740481C1C}">
+                <a14:useLocalDpi xmlns:a14="http://schemas.microsoft.com/office/drawing/2010/main" val="0"/>
+              </a:ext>
+            </a:extLst>
+          </a:blip>
+          <a:srcRect t="13701" r="20376"/>
+          <a:stretch/>
+        </p:blipFill>
+        <p:spPr bwMode="auto">
+          <a:xfrm>
+            <a:off x="1303866" y="2336800"/>
+            <a:ext cx="9330267" cy="2952750"/>
+          </a:xfrm>
+          <a:prstGeom prst="rect">
+            <a:avLst/>
+          </a:prstGeom>
+          <a:noFill/>
+          <a:extLst>
+            <a:ext uri="{909E8E84-426E-40DD-AFC4-6F175D3DCCD1}">
+              <a14:hiddenFill xmlns:a14="http://schemas.microsoft.com/office/drawing/2010/main">
+                <a:solidFill>
+                  <a:srgbClr val="FFFFFF"/>
+                </a:solidFill>
+              </a14:hiddenFill>
+            </a:ext>
+          </a:extLst>
+        </p:spPr>
+      </p:pic>
+    </p:spTree>
+    <p:extLst>
+      <p:ext uri="{BB962C8B-B14F-4D97-AF65-F5344CB8AC3E}">
+        <p14:creationId xmlns:p14="http://schemas.microsoft.com/office/powerpoint/2010/main" val="286385396"/>
       </p:ext>
     </p:extLst>
   </p:cSld>
